--- a/web/g22/status/Status4.pptx
+++ b/web/g22/status/Status4.pptx
@@ -5,20 +5,17 @@
     <p:sldMasterId id="2147483648" r:id="rId1"/>
   </p:sldMasterIdLst>
   <p:notesMasterIdLst>
-    <p:notesMasterId r:id="rId10"/>
+    <p:notesMasterId r:id="rId7"/>
   </p:notesMasterIdLst>
   <p:handoutMasterIdLst>
-    <p:handoutMasterId r:id="rId11"/>
+    <p:handoutMasterId r:id="rId8"/>
   </p:handoutMasterIdLst>
   <p:sldIdLst>
     <p:sldId id="383" r:id="rId2"/>
-    <p:sldId id="384" r:id="rId3"/>
-    <p:sldId id="389" r:id="rId4"/>
-    <p:sldId id="381" r:id="rId5"/>
-    <p:sldId id="390" r:id="rId6"/>
-    <p:sldId id="386" r:id="rId7"/>
-    <p:sldId id="385" r:id="rId8"/>
-    <p:sldId id="391" r:id="rId9"/>
+    <p:sldId id="389" r:id="rId3"/>
+    <p:sldId id="381" r:id="rId4"/>
+    <p:sldId id="392" r:id="rId5"/>
+    <p:sldId id="391" r:id="rId6"/>
   </p:sldIdLst>
   <p:sldSz cx="9144000" cy="6858000" type="screen4x3"/>
   <p:notesSz cx="7099300" cy="10234613"/>
@@ -153,12 +150,9 @@
         <p14:section name="Default Section" id="{6DAA713F-5F37-409B-BE0B-0BDA6802FF5C}">
           <p14:sldIdLst>
             <p14:sldId id="383"/>
-            <p14:sldId id="384"/>
             <p14:sldId id="389"/>
             <p14:sldId id="381"/>
-            <p14:sldId id="390"/>
-            <p14:sldId id="386"/>
-            <p14:sldId id="385"/>
+            <p14:sldId id="392"/>
             <p14:sldId id="391"/>
           </p14:sldIdLst>
         </p14:section>
@@ -1739,7 +1733,7 @@
     </p:spTree>
     <p:extLst>
       <p:ext uri="{BB962C8B-B14F-4D97-AF65-F5344CB8AC3E}">
-        <p14:creationId xmlns:p14="http://schemas.microsoft.com/office/powerpoint/2010/main" val="3440826036"/>
+        <p14:creationId xmlns:p14="http://schemas.microsoft.com/office/powerpoint/2010/main" val="3515384205"/>
       </p:ext>
     </p:extLst>
   </p:cSld>
@@ -1802,7 +1796,7 @@
         <p:txBody>
           <a:bodyPr/>
           <a:lstStyle>
-            <a:lvl1pPr defTabSz="990528" eaLnBrk="0" hangingPunct="0">
+            <a:lvl1pPr defTabSz="954542" eaLnBrk="0" hangingPunct="0">
               <a:spcBef>
                 <a:spcPct val="30000"/>
               </a:spcBef>
@@ -1814,7 +1808,7 @@
                 <a:ea typeface="ＭＳ Ｐゴシック" pitchFamily="34" charset="-128"/>
               </a:defRPr>
             </a:lvl1pPr>
-            <a:lvl2pPr marL="742897" indent="-285730" defTabSz="990528" eaLnBrk="0" hangingPunct="0">
+            <a:lvl2pPr marL="715907" indent="-275349" defTabSz="954542" eaLnBrk="0" hangingPunct="0">
               <a:spcBef>
                 <a:spcPct val="30000"/>
               </a:spcBef>
@@ -1826,7 +1820,7 @@
                 <a:ea typeface="ＭＳ Ｐゴシック" pitchFamily="34" charset="-128"/>
               </a:defRPr>
             </a:lvl2pPr>
-            <a:lvl3pPr marL="1142918" indent="-228584" defTabSz="990528" eaLnBrk="0" hangingPunct="0">
+            <a:lvl3pPr marL="1101395" indent="-220279" defTabSz="954542" eaLnBrk="0" hangingPunct="0">
               <a:spcBef>
                 <a:spcPct val="30000"/>
               </a:spcBef>
@@ -1838,7 +1832,7 @@
                 <a:ea typeface="ＭＳ Ｐゴシック" pitchFamily="34" charset="-128"/>
               </a:defRPr>
             </a:lvl3pPr>
-            <a:lvl4pPr marL="1600085" indent="-228584" defTabSz="990528" eaLnBrk="0" hangingPunct="0">
+            <a:lvl4pPr marL="1541953" indent="-220279" defTabSz="954542" eaLnBrk="0" hangingPunct="0">
               <a:spcBef>
                 <a:spcPct val="30000"/>
               </a:spcBef>
@@ -1850,7 +1844,7 @@
                 <a:ea typeface="ＭＳ Ｐゴシック" pitchFamily="34" charset="-128"/>
               </a:defRPr>
             </a:lvl4pPr>
-            <a:lvl5pPr marL="2057252" indent="-228584" defTabSz="990528" eaLnBrk="0" hangingPunct="0">
+            <a:lvl5pPr marL="1982511" indent="-220279" defTabSz="954542" eaLnBrk="0" hangingPunct="0">
               <a:spcBef>
                 <a:spcPct val="30000"/>
               </a:spcBef>
@@ -1862,7 +1856,7 @@
                 <a:ea typeface="ＭＳ Ｐゴシック" pitchFamily="34" charset="-128"/>
               </a:defRPr>
             </a:lvl5pPr>
-            <a:lvl6pPr marL="2514419" indent="-228584" defTabSz="990528" eaLnBrk="0" fontAlgn="base" hangingPunct="0">
+            <a:lvl6pPr marL="2423069" indent="-220279" defTabSz="954542" eaLnBrk="0" fontAlgn="base" hangingPunct="0">
               <a:spcBef>
                 <a:spcPct val="30000"/>
               </a:spcBef>
@@ -1877,7 +1871,7 @@
                 <a:ea typeface="ＭＳ Ｐゴシック" pitchFamily="34" charset="-128"/>
               </a:defRPr>
             </a:lvl6pPr>
-            <a:lvl7pPr marL="2971585" indent="-228584" defTabSz="990528" eaLnBrk="0" fontAlgn="base" hangingPunct="0">
+            <a:lvl7pPr marL="2863626" indent="-220279" defTabSz="954542" eaLnBrk="0" fontAlgn="base" hangingPunct="0">
               <a:spcBef>
                 <a:spcPct val="30000"/>
               </a:spcBef>
@@ -1892,7 +1886,7 @@
                 <a:ea typeface="ＭＳ Ｐゴシック" pitchFamily="34" charset="-128"/>
               </a:defRPr>
             </a:lvl7pPr>
-            <a:lvl8pPr marL="3428752" indent="-228584" defTabSz="990528" eaLnBrk="0" fontAlgn="base" hangingPunct="0">
+            <a:lvl8pPr marL="3304184" indent="-220279" defTabSz="954542" eaLnBrk="0" fontAlgn="base" hangingPunct="0">
               <a:spcBef>
                 <a:spcPct val="30000"/>
               </a:spcBef>
@@ -1907,7 +1901,7 @@
                 <a:ea typeface="ＭＳ Ｐゴシック" pitchFamily="34" charset="-128"/>
               </a:defRPr>
             </a:lvl8pPr>
-            <a:lvl9pPr marL="3885919" indent="-228584" defTabSz="990528" eaLnBrk="0" fontAlgn="base" hangingPunct="0">
+            <a:lvl9pPr marL="3744742" indent="-220279" defTabSz="954542" eaLnBrk="0" fontAlgn="base" hangingPunct="0">
               <a:spcBef>
                 <a:spcPct val="30000"/>
               </a:spcBef>
@@ -1962,8 +1956,8 @@
         </p:nvSpPr>
         <p:spPr>
           <a:xfrm>
-            <a:off x="992188" y="768350"/>
-            <a:ext cx="5114925" cy="3836988"/>
+            <a:off x="896938" y="746125"/>
+            <a:ext cx="4967287" cy="3727450"/>
           </a:xfrm>
           <a:ln/>
         </p:spPr>
@@ -2006,7 +2000,7 @@
           <a:lstStyle/>
           <a:p>
             <a:pPr eaLnBrk="1" hangingPunct="1"/>
-            <a:endParaRPr lang="en-US" altLang="da-DK" smtClean="0">
+            <a:endParaRPr lang="en-US" altLang="da-DK" dirty="0" smtClean="0">
               <a:latin typeface="Times New Roman" pitchFamily="18" charset="0"/>
               <a:ea typeface="ＭＳ Ｐゴシック" pitchFamily="34" charset="-128"/>
             </a:endParaRPr>
@@ -2016,7 +2010,7 @@
     </p:spTree>
     <p:extLst>
       <p:ext uri="{BB962C8B-B14F-4D97-AF65-F5344CB8AC3E}">
-        <p14:creationId xmlns:p14="http://schemas.microsoft.com/office/powerpoint/2010/main" val="3515384205"/>
+        <p14:creationId xmlns:p14="http://schemas.microsoft.com/office/powerpoint/2010/main" val="1963387653"/>
       </p:ext>
     </p:extLst>
   </p:cSld>
@@ -2079,7 +2073,7 @@
         <p:txBody>
           <a:bodyPr/>
           <a:lstStyle>
-            <a:lvl1pPr defTabSz="954542" eaLnBrk="0" hangingPunct="0">
+            <a:lvl1pPr defTabSz="990528" eaLnBrk="0" hangingPunct="0">
               <a:spcBef>
                 <a:spcPct val="30000"/>
               </a:spcBef>
@@ -2091,7 +2085,7 @@
                 <a:ea typeface="ＭＳ Ｐゴシック" pitchFamily="34" charset="-128"/>
               </a:defRPr>
             </a:lvl1pPr>
-            <a:lvl2pPr marL="715907" indent="-275349" defTabSz="954542" eaLnBrk="0" hangingPunct="0">
+            <a:lvl2pPr marL="742897" indent="-285730" defTabSz="990528" eaLnBrk="0" hangingPunct="0">
               <a:spcBef>
                 <a:spcPct val="30000"/>
               </a:spcBef>
@@ -2103,7 +2097,7 @@
                 <a:ea typeface="ＭＳ Ｐゴシック" pitchFamily="34" charset="-128"/>
               </a:defRPr>
             </a:lvl2pPr>
-            <a:lvl3pPr marL="1101395" indent="-220279" defTabSz="954542" eaLnBrk="0" hangingPunct="0">
+            <a:lvl3pPr marL="1142918" indent="-228584" defTabSz="990528" eaLnBrk="0" hangingPunct="0">
               <a:spcBef>
                 <a:spcPct val="30000"/>
               </a:spcBef>
@@ -2115,7 +2109,7 @@
                 <a:ea typeface="ＭＳ Ｐゴシック" pitchFamily="34" charset="-128"/>
               </a:defRPr>
             </a:lvl3pPr>
-            <a:lvl4pPr marL="1541953" indent="-220279" defTabSz="954542" eaLnBrk="0" hangingPunct="0">
+            <a:lvl4pPr marL="1600085" indent="-228584" defTabSz="990528" eaLnBrk="0" hangingPunct="0">
               <a:spcBef>
                 <a:spcPct val="30000"/>
               </a:spcBef>
@@ -2127,7 +2121,7 @@
                 <a:ea typeface="ＭＳ Ｐゴシック" pitchFamily="34" charset="-128"/>
               </a:defRPr>
             </a:lvl4pPr>
-            <a:lvl5pPr marL="1982511" indent="-220279" defTabSz="954542" eaLnBrk="0" hangingPunct="0">
+            <a:lvl5pPr marL="2057252" indent="-228584" defTabSz="990528" eaLnBrk="0" hangingPunct="0">
               <a:spcBef>
                 <a:spcPct val="30000"/>
               </a:spcBef>
@@ -2139,7 +2133,7 @@
                 <a:ea typeface="ＭＳ Ｐゴシック" pitchFamily="34" charset="-128"/>
               </a:defRPr>
             </a:lvl5pPr>
-            <a:lvl6pPr marL="2423069" indent="-220279" defTabSz="954542" eaLnBrk="0" fontAlgn="base" hangingPunct="0">
+            <a:lvl6pPr marL="2514419" indent="-228584" defTabSz="990528" eaLnBrk="0" fontAlgn="base" hangingPunct="0">
               <a:spcBef>
                 <a:spcPct val="30000"/>
               </a:spcBef>
@@ -2154,7 +2148,7 @@
                 <a:ea typeface="ＭＳ Ｐゴシック" pitchFamily="34" charset="-128"/>
               </a:defRPr>
             </a:lvl6pPr>
-            <a:lvl7pPr marL="2863626" indent="-220279" defTabSz="954542" eaLnBrk="0" fontAlgn="base" hangingPunct="0">
+            <a:lvl7pPr marL="2971585" indent="-228584" defTabSz="990528" eaLnBrk="0" fontAlgn="base" hangingPunct="0">
               <a:spcBef>
                 <a:spcPct val="30000"/>
               </a:spcBef>
@@ -2169,7 +2163,7 @@
                 <a:ea typeface="ＭＳ Ｐゴシック" pitchFamily="34" charset="-128"/>
               </a:defRPr>
             </a:lvl7pPr>
-            <a:lvl8pPr marL="3304184" indent="-220279" defTabSz="954542" eaLnBrk="0" fontAlgn="base" hangingPunct="0">
+            <a:lvl8pPr marL="3428752" indent="-228584" defTabSz="990528" eaLnBrk="0" fontAlgn="base" hangingPunct="0">
               <a:spcBef>
                 <a:spcPct val="30000"/>
               </a:spcBef>
@@ -2184,7 +2178,7 @@
                 <a:ea typeface="ＭＳ Ｐゴシック" pitchFamily="34" charset="-128"/>
               </a:defRPr>
             </a:lvl8pPr>
-            <a:lvl9pPr marL="3744742" indent="-220279" defTabSz="954542" eaLnBrk="0" fontAlgn="base" hangingPunct="0">
+            <a:lvl9pPr marL="3885919" indent="-228584" defTabSz="990528" eaLnBrk="0" fontAlgn="base" hangingPunct="0">
               <a:spcBef>
                 <a:spcPct val="30000"/>
               </a:spcBef>
@@ -2239,8 +2233,8 @@
         </p:nvSpPr>
         <p:spPr>
           <a:xfrm>
-            <a:off x="896938" y="746125"/>
-            <a:ext cx="4967287" cy="3727450"/>
+            <a:off x="992188" y="768350"/>
+            <a:ext cx="5114925" cy="3836988"/>
           </a:xfrm>
           <a:ln/>
         </p:spPr>
@@ -2283,7 +2277,7 @@
           <a:lstStyle/>
           <a:p>
             <a:pPr eaLnBrk="1" hangingPunct="1"/>
-            <a:endParaRPr lang="en-US" altLang="da-DK" dirty="0" smtClean="0">
+            <a:endParaRPr lang="en-US" altLang="da-DK" smtClean="0">
               <a:latin typeface="Times New Roman" pitchFamily="18" charset="0"/>
               <a:ea typeface="ＭＳ Ｐゴシック" pitchFamily="34" charset="-128"/>
             </a:endParaRPr>
@@ -2293,7 +2287,7 @@
     </p:spTree>
     <p:extLst>
       <p:ext uri="{BB962C8B-B14F-4D97-AF65-F5344CB8AC3E}">
-        <p14:creationId xmlns:p14="http://schemas.microsoft.com/office/powerpoint/2010/main" val="1963387653"/>
+        <p14:creationId xmlns:p14="http://schemas.microsoft.com/office/powerpoint/2010/main" val="2936914422"/>
       </p:ext>
     </p:extLst>
   </p:cSld>
@@ -2356,7 +2350,7 @@
         <p:txBody>
           <a:bodyPr/>
           <a:lstStyle>
-            <a:lvl1pPr defTabSz="954542" eaLnBrk="0" hangingPunct="0">
+            <a:lvl1pPr defTabSz="990528" eaLnBrk="0" hangingPunct="0">
               <a:spcBef>
                 <a:spcPct val="30000"/>
               </a:spcBef>
@@ -2368,7 +2362,7 @@
                 <a:ea typeface="ＭＳ Ｐゴシック" pitchFamily="34" charset="-128"/>
               </a:defRPr>
             </a:lvl1pPr>
-            <a:lvl2pPr marL="715907" indent="-275349" defTabSz="954542" eaLnBrk="0" hangingPunct="0">
+            <a:lvl2pPr marL="742897" indent="-285730" defTabSz="990528" eaLnBrk="0" hangingPunct="0">
               <a:spcBef>
                 <a:spcPct val="30000"/>
               </a:spcBef>
@@ -2380,7 +2374,7 @@
                 <a:ea typeface="ＭＳ Ｐゴシック" pitchFamily="34" charset="-128"/>
               </a:defRPr>
             </a:lvl2pPr>
-            <a:lvl3pPr marL="1101395" indent="-220279" defTabSz="954542" eaLnBrk="0" hangingPunct="0">
+            <a:lvl3pPr marL="1142918" indent="-228584" defTabSz="990528" eaLnBrk="0" hangingPunct="0">
               <a:spcBef>
                 <a:spcPct val="30000"/>
               </a:spcBef>
@@ -2392,7 +2386,7 @@
                 <a:ea typeface="ＭＳ Ｐゴシック" pitchFamily="34" charset="-128"/>
               </a:defRPr>
             </a:lvl3pPr>
-            <a:lvl4pPr marL="1541953" indent="-220279" defTabSz="954542" eaLnBrk="0" hangingPunct="0">
+            <a:lvl4pPr marL="1600085" indent="-228584" defTabSz="990528" eaLnBrk="0" hangingPunct="0">
               <a:spcBef>
                 <a:spcPct val="30000"/>
               </a:spcBef>
@@ -2404,7 +2398,7 @@
                 <a:ea typeface="ＭＳ Ｐゴシック" pitchFamily="34" charset="-128"/>
               </a:defRPr>
             </a:lvl4pPr>
-            <a:lvl5pPr marL="1982511" indent="-220279" defTabSz="954542" eaLnBrk="0" hangingPunct="0">
+            <a:lvl5pPr marL="2057252" indent="-228584" defTabSz="990528" eaLnBrk="0" hangingPunct="0">
               <a:spcBef>
                 <a:spcPct val="30000"/>
               </a:spcBef>
@@ -2416,7 +2410,7 @@
                 <a:ea typeface="ＭＳ Ｐゴシック" pitchFamily="34" charset="-128"/>
               </a:defRPr>
             </a:lvl5pPr>
-            <a:lvl6pPr marL="2423069" indent="-220279" defTabSz="954542" eaLnBrk="0" fontAlgn="base" hangingPunct="0">
+            <a:lvl6pPr marL="2514419" indent="-228584" defTabSz="990528" eaLnBrk="0" fontAlgn="base" hangingPunct="0">
               <a:spcBef>
                 <a:spcPct val="30000"/>
               </a:spcBef>
@@ -2431,7 +2425,7 @@
                 <a:ea typeface="ＭＳ Ｐゴシック" pitchFamily="34" charset="-128"/>
               </a:defRPr>
             </a:lvl6pPr>
-            <a:lvl7pPr marL="2863626" indent="-220279" defTabSz="954542" eaLnBrk="0" fontAlgn="base" hangingPunct="0">
+            <a:lvl7pPr marL="2971585" indent="-228584" defTabSz="990528" eaLnBrk="0" fontAlgn="base" hangingPunct="0">
               <a:spcBef>
                 <a:spcPct val="30000"/>
               </a:spcBef>
@@ -2446,7 +2440,7 @@
                 <a:ea typeface="ＭＳ Ｐゴシック" pitchFamily="34" charset="-128"/>
               </a:defRPr>
             </a:lvl7pPr>
-            <a:lvl8pPr marL="3304184" indent="-220279" defTabSz="954542" eaLnBrk="0" fontAlgn="base" hangingPunct="0">
+            <a:lvl8pPr marL="3428752" indent="-228584" defTabSz="990528" eaLnBrk="0" fontAlgn="base" hangingPunct="0">
               <a:spcBef>
                 <a:spcPct val="30000"/>
               </a:spcBef>
@@ -2461,7 +2455,7 @@
                 <a:ea typeface="ＭＳ Ｐゴシック" pitchFamily="34" charset="-128"/>
               </a:defRPr>
             </a:lvl8pPr>
-            <a:lvl9pPr marL="3744742" indent="-220279" defTabSz="954542" eaLnBrk="0" fontAlgn="base" hangingPunct="0">
+            <a:lvl9pPr marL="3885919" indent="-228584" defTabSz="990528" eaLnBrk="0" fontAlgn="base" hangingPunct="0">
               <a:spcBef>
                 <a:spcPct val="30000"/>
               </a:spcBef>
@@ -2495,837 +2489,6 @@
                 </a:spcBef>
               </a:pPr>
               <a:t>5</a:t>
-            </a:fld>
-            <a:endParaRPr lang="da-DK" altLang="da-DK" sz="1300">
-              <a:solidFill>
-                <a:srgbClr val="CC0000"/>
-              </a:solidFill>
-            </a:endParaRPr>
-          </a:p>
-        </p:txBody>
-      </p:sp>
-      <p:sp>
-        <p:nvSpPr>
-          <p:cNvPr id="22531" name="Rectangle 2"/>
-          <p:cNvSpPr>
-            <a:spLocks noGrp="1" noRot="1" noChangeAspect="1" noChangeArrowheads="1" noTextEdit="1"/>
-          </p:cNvSpPr>
-          <p:nvPr>
-            <p:ph type="sldImg"/>
-          </p:nvPr>
-        </p:nvSpPr>
-        <p:spPr>
-          <a:xfrm>
-            <a:off x="896938" y="746125"/>
-            <a:ext cx="4967287" cy="3727450"/>
-          </a:xfrm>
-          <a:ln/>
-        </p:spPr>
-      </p:sp>
-      <p:sp>
-        <p:nvSpPr>
-          <p:cNvPr id="22532" name="Rectangle 3"/>
-          <p:cNvSpPr>
-            <a:spLocks noGrp="1" noChangeArrowheads="1"/>
-          </p:cNvSpPr>
-          <p:nvPr>
-            <p:ph type="body" idx="1"/>
-          </p:nvPr>
-        </p:nvSpPr>
-        <p:spPr>
-          <a:noFill/>
-          <a:ln/>
-          <a:extLst>
-            <a:ext uri="{909E8E84-426E-40DD-AFC4-6F175D3DCCD1}">
-              <a14:hiddenFill xmlns:a14="http://schemas.microsoft.com/office/drawing/2010/main">
-                <a:solidFill>
-                  <a:srgbClr val="FFFFFF"/>
-                </a:solidFill>
-              </a14:hiddenFill>
-            </a:ext>
-            <a:ext uri="{91240B29-F687-4F45-9708-019B960494DF}">
-              <a14:hiddenLine xmlns:a14="http://schemas.microsoft.com/office/drawing/2010/main" w="9525">
-                <a:solidFill>
-                  <a:srgbClr val="000000"/>
-                </a:solidFill>
-                <a:miter lim="800000"/>
-                <a:headEnd/>
-                <a:tailEnd/>
-              </a14:hiddenLine>
-            </a:ext>
-          </a:extLst>
-        </p:spPr>
-        <p:txBody>
-          <a:bodyPr/>
-          <a:lstStyle/>
-          <a:p>
-            <a:pPr eaLnBrk="1" hangingPunct="1"/>
-            <a:endParaRPr lang="en-US" altLang="da-DK" dirty="0" smtClean="0">
-              <a:latin typeface="Times New Roman" pitchFamily="18" charset="0"/>
-              <a:ea typeface="ＭＳ Ｐゴシック" pitchFamily="34" charset="-128"/>
-            </a:endParaRPr>
-          </a:p>
-        </p:txBody>
-      </p:sp>
-    </p:spTree>
-    <p:extLst>
-      <p:ext uri="{BB962C8B-B14F-4D97-AF65-F5344CB8AC3E}">
-        <p14:creationId xmlns:p14="http://schemas.microsoft.com/office/powerpoint/2010/main" val="4099204969"/>
-      </p:ext>
-    </p:extLst>
-  </p:cSld>
-  <p:clrMapOvr>
-    <a:masterClrMapping/>
-  </p:clrMapOvr>
-</p:notes>
-</file>
-
-<file path=ppt/notesSlides/notesSlide6.xml><?xml version="1.0" encoding="utf-8"?>
-<p:notes xmlns:a="http://schemas.openxmlformats.org/drawingml/2006/main" xmlns:r="http://schemas.openxmlformats.org/officeDocument/2006/relationships" xmlns:p="http://schemas.openxmlformats.org/presentationml/2006/main">
-  <p:cSld>
-    <p:spTree>
-      <p:nvGrpSpPr>
-        <p:cNvPr id="1" name=""/>
-        <p:cNvGrpSpPr/>
-        <p:nvPr/>
-      </p:nvGrpSpPr>
-      <p:grpSpPr>
-        <a:xfrm>
-          <a:off x="0" y="0"/>
-          <a:ext cx="0" cy="0"/>
-          <a:chOff x="0" y="0"/>
-          <a:chExt cx="0" cy="0"/>
-        </a:xfrm>
-      </p:grpSpPr>
-      <p:sp>
-        <p:nvSpPr>
-          <p:cNvPr id="22530" name="Rectangle 7"/>
-          <p:cNvSpPr>
-            <a:spLocks noGrp="1" noChangeArrowheads="1"/>
-          </p:cNvSpPr>
-          <p:nvPr>
-            <p:ph type="sldNum" sz="quarter" idx="5"/>
-          </p:nvPr>
-        </p:nvSpPr>
-        <p:spPr>
-          <a:noFill/>
-          <a:ln/>
-          <a:extLst>
-            <a:ext uri="{909E8E84-426E-40DD-AFC4-6F175D3DCCD1}">
-              <a14:hiddenFill xmlns:a14="http://schemas.microsoft.com/office/drawing/2010/main">
-                <a:solidFill>
-                  <a:srgbClr val="FFFFFF"/>
-                </a:solidFill>
-              </a14:hiddenFill>
-            </a:ext>
-            <a:ext uri="{91240B29-F687-4F45-9708-019B960494DF}">
-              <a14:hiddenLine xmlns:a14="http://schemas.microsoft.com/office/drawing/2010/main" w="9525">
-                <a:solidFill>
-                  <a:srgbClr val="000000"/>
-                </a:solidFill>
-                <a:miter lim="800000"/>
-                <a:headEnd/>
-                <a:tailEnd/>
-              </a14:hiddenLine>
-            </a:ext>
-          </a:extLst>
-        </p:spPr>
-        <p:txBody>
-          <a:bodyPr/>
-          <a:lstStyle>
-            <a:lvl1pPr defTabSz="990528" eaLnBrk="0" hangingPunct="0">
-              <a:spcBef>
-                <a:spcPct val="30000"/>
-              </a:spcBef>
-              <a:defRPr sz="1200">
-                <a:solidFill>
-                  <a:schemeClr val="tx1"/>
-                </a:solidFill>
-                <a:latin typeface="Times New Roman" pitchFamily="18" charset="0"/>
-                <a:ea typeface="ＭＳ Ｐゴシック" pitchFamily="34" charset="-128"/>
-              </a:defRPr>
-            </a:lvl1pPr>
-            <a:lvl2pPr marL="742897" indent="-285730" defTabSz="990528" eaLnBrk="0" hangingPunct="0">
-              <a:spcBef>
-                <a:spcPct val="30000"/>
-              </a:spcBef>
-              <a:defRPr sz="1200">
-                <a:solidFill>
-                  <a:schemeClr val="tx1"/>
-                </a:solidFill>
-                <a:latin typeface="Times New Roman" pitchFamily="18" charset="0"/>
-                <a:ea typeface="ＭＳ Ｐゴシック" pitchFamily="34" charset="-128"/>
-              </a:defRPr>
-            </a:lvl2pPr>
-            <a:lvl3pPr marL="1142918" indent="-228584" defTabSz="990528" eaLnBrk="0" hangingPunct="0">
-              <a:spcBef>
-                <a:spcPct val="30000"/>
-              </a:spcBef>
-              <a:defRPr sz="1200">
-                <a:solidFill>
-                  <a:schemeClr val="tx1"/>
-                </a:solidFill>
-                <a:latin typeface="Times New Roman" pitchFamily="18" charset="0"/>
-                <a:ea typeface="ＭＳ Ｐゴシック" pitchFamily="34" charset="-128"/>
-              </a:defRPr>
-            </a:lvl3pPr>
-            <a:lvl4pPr marL="1600085" indent="-228584" defTabSz="990528" eaLnBrk="0" hangingPunct="0">
-              <a:spcBef>
-                <a:spcPct val="30000"/>
-              </a:spcBef>
-              <a:defRPr sz="1200">
-                <a:solidFill>
-                  <a:schemeClr val="tx1"/>
-                </a:solidFill>
-                <a:latin typeface="Times New Roman" pitchFamily="18" charset="0"/>
-                <a:ea typeface="ＭＳ Ｐゴシック" pitchFamily="34" charset="-128"/>
-              </a:defRPr>
-            </a:lvl4pPr>
-            <a:lvl5pPr marL="2057252" indent="-228584" defTabSz="990528" eaLnBrk="0" hangingPunct="0">
-              <a:spcBef>
-                <a:spcPct val="30000"/>
-              </a:spcBef>
-              <a:defRPr sz="1200">
-                <a:solidFill>
-                  <a:schemeClr val="tx1"/>
-                </a:solidFill>
-                <a:latin typeface="Times New Roman" pitchFamily="18" charset="0"/>
-                <a:ea typeface="ＭＳ Ｐゴシック" pitchFamily="34" charset="-128"/>
-              </a:defRPr>
-            </a:lvl5pPr>
-            <a:lvl6pPr marL="2514419" indent="-228584" defTabSz="990528" eaLnBrk="0" fontAlgn="base" hangingPunct="0">
-              <a:spcBef>
-                <a:spcPct val="30000"/>
-              </a:spcBef>
-              <a:spcAft>
-                <a:spcPct val="0"/>
-              </a:spcAft>
-              <a:defRPr sz="1200">
-                <a:solidFill>
-                  <a:schemeClr val="tx1"/>
-                </a:solidFill>
-                <a:latin typeface="Times New Roman" pitchFamily="18" charset="0"/>
-                <a:ea typeface="ＭＳ Ｐゴシック" pitchFamily="34" charset="-128"/>
-              </a:defRPr>
-            </a:lvl6pPr>
-            <a:lvl7pPr marL="2971585" indent="-228584" defTabSz="990528" eaLnBrk="0" fontAlgn="base" hangingPunct="0">
-              <a:spcBef>
-                <a:spcPct val="30000"/>
-              </a:spcBef>
-              <a:spcAft>
-                <a:spcPct val="0"/>
-              </a:spcAft>
-              <a:defRPr sz="1200">
-                <a:solidFill>
-                  <a:schemeClr val="tx1"/>
-                </a:solidFill>
-                <a:latin typeface="Times New Roman" pitchFamily="18" charset="0"/>
-                <a:ea typeface="ＭＳ Ｐゴシック" pitchFamily="34" charset="-128"/>
-              </a:defRPr>
-            </a:lvl7pPr>
-            <a:lvl8pPr marL="3428752" indent="-228584" defTabSz="990528" eaLnBrk="0" fontAlgn="base" hangingPunct="0">
-              <a:spcBef>
-                <a:spcPct val="30000"/>
-              </a:spcBef>
-              <a:spcAft>
-                <a:spcPct val="0"/>
-              </a:spcAft>
-              <a:defRPr sz="1200">
-                <a:solidFill>
-                  <a:schemeClr val="tx1"/>
-                </a:solidFill>
-                <a:latin typeface="Times New Roman" pitchFamily="18" charset="0"/>
-                <a:ea typeface="ＭＳ Ｐゴシック" pitchFamily="34" charset="-128"/>
-              </a:defRPr>
-            </a:lvl8pPr>
-            <a:lvl9pPr marL="3885919" indent="-228584" defTabSz="990528" eaLnBrk="0" fontAlgn="base" hangingPunct="0">
-              <a:spcBef>
-                <a:spcPct val="30000"/>
-              </a:spcBef>
-              <a:spcAft>
-                <a:spcPct val="0"/>
-              </a:spcAft>
-              <a:defRPr sz="1200">
-                <a:solidFill>
-                  <a:schemeClr val="tx1"/>
-                </a:solidFill>
-                <a:latin typeface="Times New Roman" pitchFamily="18" charset="0"/>
-                <a:ea typeface="ＭＳ Ｐゴシック" pitchFamily="34" charset="-128"/>
-              </a:defRPr>
-            </a:lvl9pPr>
-          </a:lstStyle>
-          <a:p>
-            <a:pPr eaLnBrk="1" hangingPunct="1">
-              <a:spcBef>
-                <a:spcPct val="0"/>
-              </a:spcBef>
-            </a:pPr>
-            <a:fld id="{392CB419-FA32-4238-A473-EBED58FF00DE}" type="slidenum">
-              <a:rPr lang="da-DK" altLang="da-DK" sz="1300">
-                <a:solidFill>
-                  <a:srgbClr val="CC0000"/>
-                </a:solidFill>
-              </a:rPr>
-              <a:pPr eaLnBrk="1" hangingPunct="1">
-                <a:spcBef>
-                  <a:spcPct val="0"/>
-                </a:spcBef>
-              </a:pPr>
-              <a:t>6</a:t>
-            </a:fld>
-            <a:endParaRPr lang="da-DK" altLang="da-DK" sz="1300">
-              <a:solidFill>
-                <a:srgbClr val="CC0000"/>
-              </a:solidFill>
-            </a:endParaRPr>
-          </a:p>
-        </p:txBody>
-      </p:sp>
-      <p:sp>
-        <p:nvSpPr>
-          <p:cNvPr id="22531" name="Rectangle 2"/>
-          <p:cNvSpPr>
-            <a:spLocks noGrp="1" noRot="1" noChangeAspect="1" noChangeArrowheads="1" noTextEdit="1"/>
-          </p:cNvSpPr>
-          <p:nvPr>
-            <p:ph type="sldImg"/>
-          </p:nvPr>
-        </p:nvSpPr>
-        <p:spPr>
-          <a:xfrm>
-            <a:off x="992188" y="768350"/>
-            <a:ext cx="5114925" cy="3836988"/>
-          </a:xfrm>
-          <a:ln/>
-        </p:spPr>
-      </p:sp>
-      <p:sp>
-        <p:nvSpPr>
-          <p:cNvPr id="22532" name="Rectangle 3"/>
-          <p:cNvSpPr>
-            <a:spLocks noGrp="1" noChangeArrowheads="1"/>
-          </p:cNvSpPr>
-          <p:nvPr>
-            <p:ph type="body" idx="1"/>
-          </p:nvPr>
-        </p:nvSpPr>
-        <p:spPr>
-          <a:noFill/>
-          <a:ln/>
-          <a:extLst>
-            <a:ext uri="{909E8E84-426E-40DD-AFC4-6F175D3DCCD1}">
-              <a14:hiddenFill xmlns:a14="http://schemas.microsoft.com/office/drawing/2010/main">
-                <a:solidFill>
-                  <a:srgbClr val="FFFFFF"/>
-                </a:solidFill>
-              </a14:hiddenFill>
-            </a:ext>
-            <a:ext uri="{91240B29-F687-4F45-9708-019B960494DF}">
-              <a14:hiddenLine xmlns:a14="http://schemas.microsoft.com/office/drawing/2010/main" w="9525">
-                <a:solidFill>
-                  <a:srgbClr val="000000"/>
-                </a:solidFill>
-                <a:miter lim="800000"/>
-                <a:headEnd/>
-                <a:tailEnd/>
-              </a14:hiddenLine>
-            </a:ext>
-          </a:extLst>
-        </p:spPr>
-        <p:txBody>
-          <a:bodyPr/>
-          <a:lstStyle/>
-          <a:p>
-            <a:pPr eaLnBrk="1" hangingPunct="1"/>
-            <a:endParaRPr lang="en-US" altLang="da-DK" smtClean="0">
-              <a:latin typeface="Times New Roman" pitchFamily="18" charset="0"/>
-              <a:ea typeface="ＭＳ Ｐゴシック" pitchFamily="34" charset="-128"/>
-            </a:endParaRPr>
-          </a:p>
-        </p:txBody>
-      </p:sp>
-    </p:spTree>
-    <p:extLst>
-      <p:ext uri="{BB962C8B-B14F-4D97-AF65-F5344CB8AC3E}">
-        <p14:creationId xmlns:p14="http://schemas.microsoft.com/office/powerpoint/2010/main" val="2666246785"/>
-      </p:ext>
-    </p:extLst>
-  </p:cSld>
-  <p:clrMapOvr>
-    <a:masterClrMapping/>
-  </p:clrMapOvr>
-</p:notes>
-</file>
-
-<file path=ppt/notesSlides/notesSlide7.xml><?xml version="1.0" encoding="utf-8"?>
-<p:notes xmlns:a="http://schemas.openxmlformats.org/drawingml/2006/main" xmlns:r="http://schemas.openxmlformats.org/officeDocument/2006/relationships" xmlns:p="http://schemas.openxmlformats.org/presentationml/2006/main">
-  <p:cSld>
-    <p:spTree>
-      <p:nvGrpSpPr>
-        <p:cNvPr id="1" name=""/>
-        <p:cNvGrpSpPr/>
-        <p:nvPr/>
-      </p:nvGrpSpPr>
-      <p:grpSpPr>
-        <a:xfrm>
-          <a:off x="0" y="0"/>
-          <a:ext cx="0" cy="0"/>
-          <a:chOff x="0" y="0"/>
-          <a:chExt cx="0" cy="0"/>
-        </a:xfrm>
-      </p:grpSpPr>
-      <p:sp>
-        <p:nvSpPr>
-          <p:cNvPr id="22530" name="Rectangle 7"/>
-          <p:cNvSpPr>
-            <a:spLocks noGrp="1" noChangeArrowheads="1"/>
-          </p:cNvSpPr>
-          <p:nvPr>
-            <p:ph type="sldNum" sz="quarter" idx="5"/>
-          </p:nvPr>
-        </p:nvSpPr>
-        <p:spPr>
-          <a:noFill/>
-          <a:ln/>
-          <a:extLst>
-            <a:ext uri="{909E8E84-426E-40DD-AFC4-6F175D3DCCD1}">
-              <a14:hiddenFill xmlns:a14="http://schemas.microsoft.com/office/drawing/2010/main">
-                <a:solidFill>
-                  <a:srgbClr val="FFFFFF"/>
-                </a:solidFill>
-              </a14:hiddenFill>
-            </a:ext>
-            <a:ext uri="{91240B29-F687-4F45-9708-019B960494DF}">
-              <a14:hiddenLine xmlns:a14="http://schemas.microsoft.com/office/drawing/2010/main" w="9525">
-                <a:solidFill>
-                  <a:srgbClr val="000000"/>
-                </a:solidFill>
-                <a:miter lim="800000"/>
-                <a:headEnd/>
-                <a:tailEnd/>
-              </a14:hiddenLine>
-            </a:ext>
-          </a:extLst>
-        </p:spPr>
-        <p:txBody>
-          <a:bodyPr/>
-          <a:lstStyle>
-            <a:lvl1pPr defTabSz="990528" eaLnBrk="0" hangingPunct="0">
-              <a:spcBef>
-                <a:spcPct val="30000"/>
-              </a:spcBef>
-              <a:defRPr sz="1200">
-                <a:solidFill>
-                  <a:schemeClr val="tx1"/>
-                </a:solidFill>
-                <a:latin typeface="Times New Roman" pitchFamily="18" charset="0"/>
-                <a:ea typeface="ＭＳ Ｐゴシック" pitchFamily="34" charset="-128"/>
-              </a:defRPr>
-            </a:lvl1pPr>
-            <a:lvl2pPr marL="742897" indent="-285730" defTabSz="990528" eaLnBrk="0" hangingPunct="0">
-              <a:spcBef>
-                <a:spcPct val="30000"/>
-              </a:spcBef>
-              <a:defRPr sz="1200">
-                <a:solidFill>
-                  <a:schemeClr val="tx1"/>
-                </a:solidFill>
-                <a:latin typeface="Times New Roman" pitchFamily="18" charset="0"/>
-                <a:ea typeface="ＭＳ Ｐゴシック" pitchFamily="34" charset="-128"/>
-              </a:defRPr>
-            </a:lvl2pPr>
-            <a:lvl3pPr marL="1142918" indent="-228584" defTabSz="990528" eaLnBrk="0" hangingPunct="0">
-              <a:spcBef>
-                <a:spcPct val="30000"/>
-              </a:spcBef>
-              <a:defRPr sz="1200">
-                <a:solidFill>
-                  <a:schemeClr val="tx1"/>
-                </a:solidFill>
-                <a:latin typeface="Times New Roman" pitchFamily="18" charset="0"/>
-                <a:ea typeface="ＭＳ Ｐゴシック" pitchFamily="34" charset="-128"/>
-              </a:defRPr>
-            </a:lvl3pPr>
-            <a:lvl4pPr marL="1600085" indent="-228584" defTabSz="990528" eaLnBrk="0" hangingPunct="0">
-              <a:spcBef>
-                <a:spcPct val="30000"/>
-              </a:spcBef>
-              <a:defRPr sz="1200">
-                <a:solidFill>
-                  <a:schemeClr val="tx1"/>
-                </a:solidFill>
-                <a:latin typeface="Times New Roman" pitchFamily="18" charset="0"/>
-                <a:ea typeface="ＭＳ Ｐゴシック" pitchFamily="34" charset="-128"/>
-              </a:defRPr>
-            </a:lvl4pPr>
-            <a:lvl5pPr marL="2057252" indent="-228584" defTabSz="990528" eaLnBrk="0" hangingPunct="0">
-              <a:spcBef>
-                <a:spcPct val="30000"/>
-              </a:spcBef>
-              <a:defRPr sz="1200">
-                <a:solidFill>
-                  <a:schemeClr val="tx1"/>
-                </a:solidFill>
-                <a:latin typeface="Times New Roman" pitchFamily="18" charset="0"/>
-                <a:ea typeface="ＭＳ Ｐゴシック" pitchFamily="34" charset="-128"/>
-              </a:defRPr>
-            </a:lvl5pPr>
-            <a:lvl6pPr marL="2514419" indent="-228584" defTabSz="990528" eaLnBrk="0" fontAlgn="base" hangingPunct="0">
-              <a:spcBef>
-                <a:spcPct val="30000"/>
-              </a:spcBef>
-              <a:spcAft>
-                <a:spcPct val="0"/>
-              </a:spcAft>
-              <a:defRPr sz="1200">
-                <a:solidFill>
-                  <a:schemeClr val="tx1"/>
-                </a:solidFill>
-                <a:latin typeface="Times New Roman" pitchFamily="18" charset="0"/>
-                <a:ea typeface="ＭＳ Ｐゴシック" pitchFamily="34" charset="-128"/>
-              </a:defRPr>
-            </a:lvl6pPr>
-            <a:lvl7pPr marL="2971585" indent="-228584" defTabSz="990528" eaLnBrk="0" fontAlgn="base" hangingPunct="0">
-              <a:spcBef>
-                <a:spcPct val="30000"/>
-              </a:spcBef>
-              <a:spcAft>
-                <a:spcPct val="0"/>
-              </a:spcAft>
-              <a:defRPr sz="1200">
-                <a:solidFill>
-                  <a:schemeClr val="tx1"/>
-                </a:solidFill>
-                <a:latin typeface="Times New Roman" pitchFamily="18" charset="0"/>
-                <a:ea typeface="ＭＳ Ｐゴシック" pitchFamily="34" charset="-128"/>
-              </a:defRPr>
-            </a:lvl7pPr>
-            <a:lvl8pPr marL="3428752" indent="-228584" defTabSz="990528" eaLnBrk="0" fontAlgn="base" hangingPunct="0">
-              <a:spcBef>
-                <a:spcPct val="30000"/>
-              </a:spcBef>
-              <a:spcAft>
-                <a:spcPct val="0"/>
-              </a:spcAft>
-              <a:defRPr sz="1200">
-                <a:solidFill>
-                  <a:schemeClr val="tx1"/>
-                </a:solidFill>
-                <a:latin typeface="Times New Roman" pitchFamily="18" charset="0"/>
-                <a:ea typeface="ＭＳ Ｐゴシック" pitchFamily="34" charset="-128"/>
-              </a:defRPr>
-            </a:lvl8pPr>
-            <a:lvl9pPr marL="3885919" indent="-228584" defTabSz="990528" eaLnBrk="0" fontAlgn="base" hangingPunct="0">
-              <a:spcBef>
-                <a:spcPct val="30000"/>
-              </a:spcBef>
-              <a:spcAft>
-                <a:spcPct val="0"/>
-              </a:spcAft>
-              <a:defRPr sz="1200">
-                <a:solidFill>
-                  <a:schemeClr val="tx1"/>
-                </a:solidFill>
-                <a:latin typeface="Times New Roman" pitchFamily="18" charset="0"/>
-                <a:ea typeface="ＭＳ Ｐゴシック" pitchFamily="34" charset="-128"/>
-              </a:defRPr>
-            </a:lvl9pPr>
-          </a:lstStyle>
-          <a:p>
-            <a:pPr eaLnBrk="1" hangingPunct="1">
-              <a:spcBef>
-                <a:spcPct val="0"/>
-              </a:spcBef>
-            </a:pPr>
-            <a:fld id="{392CB419-FA32-4238-A473-EBED58FF00DE}" type="slidenum">
-              <a:rPr lang="da-DK" altLang="da-DK" sz="1300">
-                <a:solidFill>
-                  <a:srgbClr val="CC0000"/>
-                </a:solidFill>
-              </a:rPr>
-              <a:pPr eaLnBrk="1" hangingPunct="1">
-                <a:spcBef>
-                  <a:spcPct val="0"/>
-                </a:spcBef>
-              </a:pPr>
-              <a:t>7</a:t>
-            </a:fld>
-            <a:endParaRPr lang="da-DK" altLang="da-DK" sz="1300">
-              <a:solidFill>
-                <a:srgbClr val="CC0000"/>
-              </a:solidFill>
-            </a:endParaRPr>
-          </a:p>
-        </p:txBody>
-      </p:sp>
-      <p:sp>
-        <p:nvSpPr>
-          <p:cNvPr id="22531" name="Rectangle 2"/>
-          <p:cNvSpPr>
-            <a:spLocks noGrp="1" noRot="1" noChangeAspect="1" noChangeArrowheads="1" noTextEdit="1"/>
-          </p:cNvSpPr>
-          <p:nvPr>
-            <p:ph type="sldImg"/>
-          </p:nvPr>
-        </p:nvSpPr>
-        <p:spPr>
-          <a:xfrm>
-            <a:off x="992188" y="768350"/>
-            <a:ext cx="5114925" cy="3836988"/>
-          </a:xfrm>
-          <a:ln/>
-        </p:spPr>
-      </p:sp>
-      <p:sp>
-        <p:nvSpPr>
-          <p:cNvPr id="22532" name="Rectangle 3"/>
-          <p:cNvSpPr>
-            <a:spLocks noGrp="1" noChangeArrowheads="1"/>
-          </p:cNvSpPr>
-          <p:nvPr>
-            <p:ph type="body" idx="1"/>
-          </p:nvPr>
-        </p:nvSpPr>
-        <p:spPr>
-          <a:noFill/>
-          <a:ln/>
-          <a:extLst>
-            <a:ext uri="{909E8E84-426E-40DD-AFC4-6F175D3DCCD1}">
-              <a14:hiddenFill xmlns:a14="http://schemas.microsoft.com/office/drawing/2010/main">
-                <a:solidFill>
-                  <a:srgbClr val="FFFFFF"/>
-                </a:solidFill>
-              </a14:hiddenFill>
-            </a:ext>
-            <a:ext uri="{91240B29-F687-4F45-9708-019B960494DF}">
-              <a14:hiddenLine xmlns:a14="http://schemas.microsoft.com/office/drawing/2010/main" w="9525">
-                <a:solidFill>
-                  <a:srgbClr val="000000"/>
-                </a:solidFill>
-                <a:miter lim="800000"/>
-                <a:headEnd/>
-                <a:tailEnd/>
-              </a14:hiddenLine>
-            </a:ext>
-          </a:extLst>
-        </p:spPr>
-        <p:txBody>
-          <a:bodyPr/>
-          <a:lstStyle/>
-          <a:p>
-            <a:pPr eaLnBrk="1" hangingPunct="1"/>
-            <a:endParaRPr lang="en-US" altLang="da-DK" smtClean="0">
-              <a:latin typeface="Times New Roman" pitchFamily="18" charset="0"/>
-              <a:ea typeface="ＭＳ Ｐゴシック" pitchFamily="34" charset="-128"/>
-            </a:endParaRPr>
-          </a:p>
-        </p:txBody>
-      </p:sp>
-    </p:spTree>
-    <p:extLst>
-      <p:ext uri="{BB962C8B-B14F-4D97-AF65-F5344CB8AC3E}">
-        <p14:creationId xmlns:p14="http://schemas.microsoft.com/office/powerpoint/2010/main" val="440789580"/>
-      </p:ext>
-    </p:extLst>
-  </p:cSld>
-  <p:clrMapOvr>
-    <a:masterClrMapping/>
-  </p:clrMapOvr>
-</p:notes>
-</file>
-
-<file path=ppt/notesSlides/notesSlide8.xml><?xml version="1.0" encoding="utf-8"?>
-<p:notes xmlns:a="http://schemas.openxmlformats.org/drawingml/2006/main" xmlns:r="http://schemas.openxmlformats.org/officeDocument/2006/relationships" xmlns:p="http://schemas.openxmlformats.org/presentationml/2006/main">
-  <p:cSld>
-    <p:spTree>
-      <p:nvGrpSpPr>
-        <p:cNvPr id="1" name=""/>
-        <p:cNvGrpSpPr/>
-        <p:nvPr/>
-      </p:nvGrpSpPr>
-      <p:grpSpPr>
-        <a:xfrm>
-          <a:off x="0" y="0"/>
-          <a:ext cx="0" cy="0"/>
-          <a:chOff x="0" y="0"/>
-          <a:chExt cx="0" cy="0"/>
-        </a:xfrm>
-      </p:grpSpPr>
-      <p:sp>
-        <p:nvSpPr>
-          <p:cNvPr id="22530" name="Rectangle 7"/>
-          <p:cNvSpPr>
-            <a:spLocks noGrp="1" noChangeArrowheads="1"/>
-          </p:cNvSpPr>
-          <p:nvPr>
-            <p:ph type="sldNum" sz="quarter" idx="5"/>
-          </p:nvPr>
-        </p:nvSpPr>
-        <p:spPr>
-          <a:noFill/>
-          <a:ln/>
-          <a:extLst>
-            <a:ext uri="{909E8E84-426E-40DD-AFC4-6F175D3DCCD1}">
-              <a14:hiddenFill xmlns:a14="http://schemas.microsoft.com/office/drawing/2010/main">
-                <a:solidFill>
-                  <a:srgbClr val="FFFFFF"/>
-                </a:solidFill>
-              </a14:hiddenFill>
-            </a:ext>
-            <a:ext uri="{91240B29-F687-4F45-9708-019B960494DF}">
-              <a14:hiddenLine xmlns:a14="http://schemas.microsoft.com/office/drawing/2010/main" w="9525">
-                <a:solidFill>
-                  <a:srgbClr val="000000"/>
-                </a:solidFill>
-                <a:miter lim="800000"/>
-                <a:headEnd/>
-                <a:tailEnd/>
-              </a14:hiddenLine>
-            </a:ext>
-          </a:extLst>
-        </p:spPr>
-        <p:txBody>
-          <a:bodyPr/>
-          <a:lstStyle>
-            <a:lvl1pPr defTabSz="990528" eaLnBrk="0" hangingPunct="0">
-              <a:spcBef>
-                <a:spcPct val="30000"/>
-              </a:spcBef>
-              <a:defRPr sz="1200">
-                <a:solidFill>
-                  <a:schemeClr val="tx1"/>
-                </a:solidFill>
-                <a:latin typeface="Times New Roman" pitchFamily="18" charset="0"/>
-                <a:ea typeface="ＭＳ Ｐゴシック" pitchFamily="34" charset="-128"/>
-              </a:defRPr>
-            </a:lvl1pPr>
-            <a:lvl2pPr marL="742897" indent="-285730" defTabSz="990528" eaLnBrk="0" hangingPunct="0">
-              <a:spcBef>
-                <a:spcPct val="30000"/>
-              </a:spcBef>
-              <a:defRPr sz="1200">
-                <a:solidFill>
-                  <a:schemeClr val="tx1"/>
-                </a:solidFill>
-                <a:latin typeface="Times New Roman" pitchFamily="18" charset="0"/>
-                <a:ea typeface="ＭＳ Ｐゴシック" pitchFamily="34" charset="-128"/>
-              </a:defRPr>
-            </a:lvl2pPr>
-            <a:lvl3pPr marL="1142918" indent="-228584" defTabSz="990528" eaLnBrk="0" hangingPunct="0">
-              <a:spcBef>
-                <a:spcPct val="30000"/>
-              </a:spcBef>
-              <a:defRPr sz="1200">
-                <a:solidFill>
-                  <a:schemeClr val="tx1"/>
-                </a:solidFill>
-                <a:latin typeface="Times New Roman" pitchFamily="18" charset="0"/>
-                <a:ea typeface="ＭＳ Ｐゴシック" pitchFamily="34" charset="-128"/>
-              </a:defRPr>
-            </a:lvl3pPr>
-            <a:lvl4pPr marL="1600085" indent="-228584" defTabSz="990528" eaLnBrk="0" hangingPunct="0">
-              <a:spcBef>
-                <a:spcPct val="30000"/>
-              </a:spcBef>
-              <a:defRPr sz="1200">
-                <a:solidFill>
-                  <a:schemeClr val="tx1"/>
-                </a:solidFill>
-                <a:latin typeface="Times New Roman" pitchFamily="18" charset="0"/>
-                <a:ea typeface="ＭＳ Ｐゴシック" pitchFamily="34" charset="-128"/>
-              </a:defRPr>
-            </a:lvl4pPr>
-            <a:lvl5pPr marL="2057252" indent="-228584" defTabSz="990528" eaLnBrk="0" hangingPunct="0">
-              <a:spcBef>
-                <a:spcPct val="30000"/>
-              </a:spcBef>
-              <a:defRPr sz="1200">
-                <a:solidFill>
-                  <a:schemeClr val="tx1"/>
-                </a:solidFill>
-                <a:latin typeface="Times New Roman" pitchFamily="18" charset="0"/>
-                <a:ea typeface="ＭＳ Ｐゴシック" pitchFamily="34" charset="-128"/>
-              </a:defRPr>
-            </a:lvl5pPr>
-            <a:lvl6pPr marL="2514419" indent="-228584" defTabSz="990528" eaLnBrk="0" fontAlgn="base" hangingPunct="0">
-              <a:spcBef>
-                <a:spcPct val="30000"/>
-              </a:spcBef>
-              <a:spcAft>
-                <a:spcPct val="0"/>
-              </a:spcAft>
-              <a:defRPr sz="1200">
-                <a:solidFill>
-                  <a:schemeClr val="tx1"/>
-                </a:solidFill>
-                <a:latin typeface="Times New Roman" pitchFamily="18" charset="0"/>
-                <a:ea typeface="ＭＳ Ｐゴシック" pitchFamily="34" charset="-128"/>
-              </a:defRPr>
-            </a:lvl6pPr>
-            <a:lvl7pPr marL="2971585" indent="-228584" defTabSz="990528" eaLnBrk="0" fontAlgn="base" hangingPunct="0">
-              <a:spcBef>
-                <a:spcPct val="30000"/>
-              </a:spcBef>
-              <a:spcAft>
-                <a:spcPct val="0"/>
-              </a:spcAft>
-              <a:defRPr sz="1200">
-                <a:solidFill>
-                  <a:schemeClr val="tx1"/>
-                </a:solidFill>
-                <a:latin typeface="Times New Roman" pitchFamily="18" charset="0"/>
-                <a:ea typeface="ＭＳ Ｐゴシック" pitchFamily="34" charset="-128"/>
-              </a:defRPr>
-            </a:lvl7pPr>
-            <a:lvl8pPr marL="3428752" indent="-228584" defTabSz="990528" eaLnBrk="0" fontAlgn="base" hangingPunct="0">
-              <a:spcBef>
-                <a:spcPct val="30000"/>
-              </a:spcBef>
-              <a:spcAft>
-                <a:spcPct val="0"/>
-              </a:spcAft>
-              <a:defRPr sz="1200">
-                <a:solidFill>
-                  <a:schemeClr val="tx1"/>
-                </a:solidFill>
-                <a:latin typeface="Times New Roman" pitchFamily="18" charset="0"/>
-                <a:ea typeface="ＭＳ Ｐゴシック" pitchFamily="34" charset="-128"/>
-              </a:defRPr>
-            </a:lvl8pPr>
-            <a:lvl9pPr marL="3885919" indent="-228584" defTabSz="990528" eaLnBrk="0" fontAlgn="base" hangingPunct="0">
-              <a:spcBef>
-                <a:spcPct val="30000"/>
-              </a:spcBef>
-              <a:spcAft>
-                <a:spcPct val="0"/>
-              </a:spcAft>
-              <a:defRPr sz="1200">
-                <a:solidFill>
-                  <a:schemeClr val="tx1"/>
-                </a:solidFill>
-                <a:latin typeface="Times New Roman" pitchFamily="18" charset="0"/>
-                <a:ea typeface="ＭＳ Ｐゴシック" pitchFamily="34" charset="-128"/>
-              </a:defRPr>
-            </a:lvl9pPr>
-          </a:lstStyle>
-          <a:p>
-            <a:pPr eaLnBrk="1" hangingPunct="1">
-              <a:spcBef>
-                <a:spcPct val="0"/>
-              </a:spcBef>
-            </a:pPr>
-            <a:fld id="{392CB419-FA32-4238-A473-EBED58FF00DE}" type="slidenum">
-              <a:rPr lang="da-DK" altLang="da-DK" sz="1300">
-                <a:solidFill>
-                  <a:srgbClr val="CC0000"/>
-                </a:solidFill>
-              </a:rPr>
-              <a:pPr eaLnBrk="1" hangingPunct="1">
-                <a:spcBef>
-                  <a:spcPct val="0"/>
-                </a:spcBef>
-              </a:pPr>
-              <a:t>8</a:t>
             </a:fld>
             <a:endParaRPr lang="da-DK" altLang="da-DK" sz="1300">
               <a:solidFill>
@@ -5346,7 +4509,11 @@
             </a:pPr>
             <a:r>
               <a:rPr lang="da-DK" sz="1600" dirty="0" smtClean="0"/>
-              <a:t>8.45 Velkomst og diverse indledende info</a:t>
+              <a:t>9.15 </a:t>
+            </a:r>
+            <a:r>
+              <a:rPr lang="da-DK" sz="1600" dirty="0" smtClean="0"/>
+              <a:t>Velkomst og diverse indledende info</a:t>
             </a:r>
           </a:p>
           <a:p>
@@ -5357,7 +4524,11 @@
             </a:pPr>
             <a:r>
               <a:rPr lang="da-DK" sz="1600" dirty="0" smtClean="0"/>
-              <a:t>9.00 Forelæsning (med en kort pause midtvejs)</a:t>
+              <a:t>9.30 </a:t>
+            </a:r>
+            <a:r>
+              <a:rPr lang="da-DK" sz="1600" dirty="0" smtClean="0"/>
+              <a:t>Forelæsning (med en kort pause midtvejs)</a:t>
             </a:r>
           </a:p>
           <a:p>
@@ -5368,7 +4539,7 @@
             </a:pPr>
             <a:r>
               <a:rPr lang="da-DK" sz="1600" dirty="0" smtClean="0"/>
-              <a:t>11.00 </a:t>
+              <a:t>11.30 </a:t>
             </a:r>
             <a:r>
               <a:rPr lang="da-DK" sz="1600" dirty="0"/>
@@ -5477,7 +4648,7 @@
         <p:spPr bwMode="auto">
           <a:xfrm>
             <a:off x="601747" y="3933056"/>
-            <a:ext cx="8339749" cy="1872208"/>
+            <a:ext cx="8339749" cy="2736304"/>
           </a:xfrm>
           <a:prstGeom prst="rect">
             <a:avLst/>
@@ -5646,20 +4817,42 @@
               </a:spcBef>
             </a:pPr>
             <a:r>
+              <a:rPr lang="da-DK" sz="1800" dirty="0"/>
+              <a:t>Det ser ud til at alle yder en flot og entusiastisk indsats</a:t>
+            </a:r>
+          </a:p>
+          <a:p>
+            <a:pPr marL="742950" lvl="1" indent="-285750">
+              <a:spcBef>
+                <a:spcPts val="600"/>
+              </a:spcBef>
+            </a:pPr>
+            <a:r>
+              <a:rPr lang="da-DK" sz="1600" dirty="0"/>
+              <a:t>Det er en fornøjelse – bliv ved med det</a:t>
+            </a:r>
+          </a:p>
+          <a:p>
+            <a:pPr marL="742950" lvl="1" indent="-285750">
+              <a:spcBef>
+                <a:spcPts val="600"/>
+              </a:spcBef>
+            </a:pPr>
+            <a:r>
+              <a:rPr lang="da-DK" sz="1600" spc="-50" dirty="0" smtClean="0"/>
+              <a:t>Nogle få er endog kommet en del foran og er godt i gang med noget af det næste stof</a:t>
+            </a:r>
+            <a:endParaRPr lang="da-DK" sz="1800" dirty="0" smtClean="0"/>
+          </a:p>
+          <a:p>
+            <a:pPr marL="285750" lvl="0" indent="-285750">
+              <a:spcBef>
+                <a:spcPts val="1800"/>
+              </a:spcBef>
+            </a:pPr>
+            <a:r>
               <a:rPr lang="da-DK" sz="1800" dirty="0" smtClean="0"/>
-              <a:t>I </a:t>
-            </a:r>
-            <a:r>
-              <a:rPr lang="da-DK" sz="1800" dirty="0"/>
-              <a:t>de næste uger er der ikke </a:t>
-            </a:r>
-            <a:r>
-              <a:rPr lang="da-DK" sz="1800" dirty="0" smtClean="0"/>
-              <a:t>noget </a:t>
-            </a:r>
-            <a:r>
-              <a:rPr lang="da-DK" sz="1800" dirty="0"/>
-              <a:t>nyt stof at læse</a:t>
+              <a:t>I de næste uger er der ikke noget nyt stof at læse</a:t>
             </a:r>
           </a:p>
           <a:p>
@@ -5669,8 +4862,12 @@
               </a:spcBef>
             </a:pPr>
             <a:r>
+              <a:rPr lang="da-DK" sz="1600" dirty="0" smtClean="0"/>
+              <a:t>Mange </a:t>
+            </a:r>
+            <a:r>
               <a:rPr lang="da-DK" sz="1600" dirty="0"/>
-              <a:t>Mange af jer vil have </a:t>
+              <a:t>af jer vil have </a:t>
             </a:r>
             <a:r>
               <a:rPr lang="da-DK" sz="1600" b="1" dirty="0" smtClean="0">
@@ -6041,7 +5238,7 @@
             <a:pPr marL="271463" indent="-271463"/>
             <a:r>
               <a:rPr lang="da-DK" altLang="da-DK" sz="2800" dirty="0" smtClean="0"/>
-              <a:t>Debugging og kursusbelastning</a:t>
+              <a:t>Afleveringsopgaverne</a:t>
             </a:r>
             <a:endParaRPr lang="da-DK" altLang="da-DK" sz="2800" dirty="0"/>
           </a:p>
@@ -6057,8 +5254,8 @@
         </p:nvSpPr>
         <p:spPr bwMode="auto">
           <a:xfrm>
-            <a:off x="611558" y="1052736"/>
-            <a:ext cx="8424937" cy="5688632"/>
+            <a:off x="611560" y="1052736"/>
+            <a:ext cx="8424936" cy="5688632"/>
           </a:xfrm>
           <a:prstGeom prst="rect">
             <a:avLst/>
@@ -6223,19 +5420,32 @@
           <a:p>
             <a:pPr marL="271463" lvl="1" indent="-271463">
               <a:spcBef>
-                <a:spcPts val="1200"/>
+                <a:spcPts val="1800"/>
               </a:spcBef>
               <a:buFontTx/>
               <a:buChar char="•"/>
             </a:pPr>
             <a:r>
-              <a:rPr lang="da-DK" altLang="da-DK" sz="1800" b="1" spc="-40" dirty="0">
+              <a:rPr lang="da-DK" altLang="da-DK" sz="1800" b="1" spc="-80" dirty="0" smtClean="0">
                 <a:solidFill>
                   <a:srgbClr val="A50021"/>
                 </a:solidFill>
               </a:rPr>
-              <a:t>Nogle af jer klager over, at det er besværligt at finde fejlene i jeres kode og at testserveren godt kunne fortælle lidt mere om hvad der er galt</a:t>
-            </a:r>
+              <a:t>I Quiz 3 var jeres gennemsnitlige vurdering af pensummets sværhedsgrad </a:t>
+            </a:r>
+            <a:r>
+              <a:rPr lang="da-DK" altLang="da-DK" sz="1800" b="1" spc="-80" dirty="0" smtClean="0">
+                <a:solidFill>
+                  <a:srgbClr val="A50021"/>
+                </a:solidFill>
+              </a:rPr>
+              <a:t>3,92</a:t>
+            </a:r>
+            <a:endParaRPr lang="da-DK" altLang="da-DK" sz="1800" b="1" spc="-80" dirty="0" smtClean="0">
+              <a:solidFill>
+                <a:srgbClr val="A50021"/>
+              </a:solidFill>
+            </a:endParaRPr>
           </a:p>
           <a:p>
             <a:pPr marL="742950" lvl="1" indent="-285750">
@@ -6245,8 +5455,13 @@
             </a:pPr>
             <a:r>
               <a:rPr lang="da-DK" altLang="da-DK" sz="1600" dirty="0"/>
-              <a:t>Det er en vigtig del af programmering, at man kan lokalisere og rette fejl i sin kode</a:t>
-            </a:r>
+              <a:t>D</a:t>
+            </a:r>
+            <a:r>
+              <a:rPr lang="da-DK" altLang="da-DK" sz="1600" dirty="0" smtClean="0"/>
+              <a:t>et er normalt, at man opfatter sværhedsgraden som stigende gennem de første uger, hvorefter den plejer at falde lidt igen</a:t>
+            </a:r>
+            <a:endParaRPr lang="da-DK" altLang="da-DK" sz="1600" dirty="0"/>
           </a:p>
           <a:p>
             <a:pPr marL="742950" lvl="1" indent="-285750">
@@ -6255,30 +5470,22 @@
               </a:spcBef>
             </a:pPr>
             <a:r>
-              <a:rPr lang="da-DK" altLang="da-DK" sz="1600" dirty="0"/>
-              <a:t>Det vil I lære meget mere om på seminar </a:t>
-            </a:r>
-            <a:r>
               <a:rPr lang="da-DK" altLang="da-DK" sz="1600" dirty="0" smtClean="0"/>
-              <a:t>6, hvor vi skal se på test og </a:t>
-            </a:r>
-            <a:r>
-              <a:rPr lang="da-DK" altLang="da-DK" sz="1600" dirty="0" err="1" smtClean="0"/>
-              <a:t>debugging</a:t>
-            </a:r>
-            <a:endParaRPr lang="da-DK" altLang="da-DK" sz="1600" dirty="0" smtClean="0"/>
-          </a:p>
-          <a:p>
-            <a:pPr marL="742950" lvl="1" indent="-285750">
-              <a:spcBef>
-                <a:spcPts val="600"/>
-              </a:spcBef>
-            </a:pPr>
-            <a:r>
-              <a:rPr lang="da-DK" altLang="da-DK" sz="1600" spc="-60" dirty="0" smtClean="0"/>
-              <a:t>Testserveren er en hjælp – den fortæller, at noget er galt, og i hvilken klasse/metode det er</a:t>
-            </a:r>
-            <a:endParaRPr lang="da-DK" altLang="da-DK" sz="1600" spc="-60" dirty="0"/>
+              <a:t>Til sammenligning havde de studerende </a:t>
+            </a:r>
+            <a:r>
+              <a:rPr lang="da-DK" altLang="da-DK" sz="1600" dirty="0" smtClean="0"/>
+              <a:t>sidste forår </a:t>
+            </a:r>
+            <a:r>
+              <a:rPr lang="da-DK" altLang="da-DK" sz="1600" dirty="0" smtClean="0"/>
+              <a:t>et gennemsnit på </a:t>
+            </a:r>
+            <a:r>
+              <a:rPr lang="da-DK" altLang="da-DK" sz="1600" dirty="0" smtClean="0"/>
+              <a:t>3,94</a:t>
+            </a:r>
+            <a:endParaRPr lang="da-DK" altLang="da-DK" sz="1600" dirty="0"/>
           </a:p>
           <a:p>
             <a:pPr marL="271463" lvl="1" indent="-271463">
@@ -6289,20 +5496,28 @@
               <a:buChar char="•"/>
             </a:pPr>
             <a:r>
-              <a:rPr lang="da-DK" sz="1800" b="1" spc="-40" dirty="0" smtClean="0">
+              <a:rPr lang="da-DK" altLang="da-DK" sz="1800" b="1" spc="-40" dirty="0" smtClean="0">
                 <a:solidFill>
                   <a:srgbClr val="A50021"/>
                 </a:solidFill>
               </a:rPr>
-              <a:t>Jeg </a:t>
-            </a:r>
-            <a:r>
-              <a:rPr lang="da-DK" sz="1800" b="1" spc="-40" dirty="0">
+              <a:t>I har klaret Raflebæger 3 og Skildpadde 2 </a:t>
+            </a:r>
+            <a:r>
+              <a:rPr lang="da-DK" altLang="da-DK" sz="1800" b="1" spc="-40" dirty="0" smtClean="0">
                 <a:solidFill>
                   <a:srgbClr val="A50021"/>
                 </a:solidFill>
               </a:rPr>
-              <a:t>er ikke i tvivl om, at I har travlt</a:t>
+              <a:t>virkelig </a:t>
+            </a:r>
+            <a:r>
+              <a:rPr lang="da-DK" altLang="da-DK" sz="1800" b="1" spc="-40" dirty="0" smtClean="0">
+                <a:solidFill>
+                  <a:srgbClr val="A50021"/>
+                </a:solidFill>
+              </a:rPr>
+              <a:t>flot</a:t>
             </a:r>
           </a:p>
           <a:p>
@@ -6314,25 +5529,56 @@
               <a:buChar char="–"/>
             </a:pPr>
             <a:r>
-              <a:rPr lang="da-DK" sz="1600" dirty="0" smtClean="0"/>
-              <a:t>Der er uden tvivl mange, </a:t>
-            </a:r>
-            <a:r>
-              <a:rPr lang="da-DK" sz="1600" dirty="0"/>
-              <a:t>der </a:t>
-            </a:r>
-            <a:r>
-              <a:rPr lang="da-DK" sz="1600" dirty="0" smtClean="0"/>
-              <a:t>ikke </a:t>
-            </a:r>
-            <a:r>
-              <a:rPr lang="da-DK" sz="1600" dirty="0"/>
-              <a:t>får fuld kompensation for den </a:t>
-            </a:r>
-            <a:r>
-              <a:rPr lang="da-DK" sz="1600" dirty="0" smtClean="0"/>
-              <a:t>tid, der skal bruges på kurset</a:t>
-            </a:r>
+              <a:rPr lang="da-DK" altLang="da-DK" sz="1600" dirty="0" smtClean="0"/>
+              <a:t>Ingen genafleveringer og kun få bemærkninger fra instruktorerne</a:t>
+            </a:r>
+            <a:endParaRPr lang="da-DK" altLang="da-DK" sz="1600" dirty="0" smtClean="0"/>
+          </a:p>
+          <a:p>
+            <a:pPr marL="271463" lvl="1" indent="-271463">
+              <a:spcBef>
+                <a:spcPts val="1200"/>
+              </a:spcBef>
+              <a:buFontTx/>
+              <a:buChar char="•"/>
+            </a:pPr>
+            <a:r>
+              <a:rPr lang="da-DK" altLang="da-DK" sz="1800" b="1" spc="-40" dirty="0">
+                <a:solidFill>
+                  <a:srgbClr val="A50021"/>
+                </a:solidFill>
+              </a:rPr>
+              <a:t>I har </a:t>
+            </a:r>
+            <a:r>
+              <a:rPr lang="da-DK" altLang="da-DK" sz="1800" b="1" spc="-40" dirty="0" smtClean="0">
+                <a:solidFill>
+                  <a:srgbClr val="A50021"/>
+                </a:solidFill>
+              </a:rPr>
+              <a:t>også klaret </a:t>
+            </a:r>
+            <a:r>
+              <a:rPr lang="da-DK" altLang="da-DK" sz="1800" b="1" spc="-40" dirty="0">
+                <a:solidFill>
+                  <a:srgbClr val="A50021"/>
+                </a:solidFill>
+              </a:rPr>
+              <a:t>Quiz 3 </a:t>
+            </a:r>
+            <a:r>
+              <a:rPr lang="da-DK" altLang="da-DK" sz="1800" b="1" spc="-40" dirty="0" smtClean="0">
+                <a:solidFill>
+                  <a:srgbClr val="A50021"/>
+                </a:solidFill>
+              </a:rPr>
+              <a:t>ok</a:t>
+            </a:r>
+            <a:endParaRPr lang="da-DK" altLang="da-DK" sz="1800" b="1" spc="-40" dirty="0">
+              <a:solidFill>
+                <a:srgbClr val="A50021"/>
+              </a:solidFill>
+            </a:endParaRPr>
           </a:p>
           <a:p>
             <a:pPr marL="742950" lvl="1" indent="-285750">
@@ -6343,34 +5589,22 @@
               <a:buChar char="–"/>
             </a:pPr>
             <a:r>
-              <a:rPr lang="da-DK" sz="1600" dirty="0" smtClean="0"/>
-              <a:t>Men jeg ved, at belastningen er ok (dvs. svarer til de 250 timer, der er normen for et 10 </a:t>
-            </a:r>
-            <a:r>
-              <a:rPr lang="da-DK" sz="1600" dirty="0" err="1" smtClean="0"/>
-              <a:t>ECTS</a:t>
-            </a:r>
-            <a:r>
-              <a:rPr lang="da-DK" sz="1600" dirty="0" smtClean="0"/>
-              <a:t> kursus)</a:t>
-            </a:r>
-          </a:p>
-          <a:p>
-            <a:pPr marL="271463" lvl="1" indent="-271463">
-              <a:spcBef>
-                <a:spcPts val="1200"/>
-              </a:spcBef>
-              <a:buFontTx/>
-              <a:buChar char="•"/>
-            </a:pPr>
-            <a:r>
-              <a:rPr lang="da-DK" sz="1800" b="1" spc="-40" dirty="0">
-                <a:solidFill>
-                  <a:srgbClr val="A50021"/>
-                </a:solidFill>
-              </a:rPr>
-              <a:t>Der er ca. 1000 studerende, der over de sidste fire år har fulgt kurser med præcis dette indhold</a:t>
-            </a:r>
+              <a:rPr lang="da-DK" altLang="da-DK" sz="1600" dirty="0" smtClean="0"/>
+              <a:t>I brugte </a:t>
+            </a:r>
+            <a:r>
+              <a:rPr lang="da-DK" altLang="da-DK" sz="1600" dirty="0" smtClean="0"/>
+              <a:t>1,60 </a:t>
+            </a:r>
+            <a:r>
+              <a:rPr lang="da-DK" altLang="da-DK" sz="1600" dirty="0" smtClean="0"/>
+              <a:t>forsøg pr spørgsmål (mod </a:t>
+            </a:r>
+            <a:r>
+              <a:rPr lang="da-DK" altLang="da-DK" sz="1600" dirty="0" smtClean="0"/>
+              <a:t>1,32 sidste forår)</a:t>
+            </a:r>
+            <a:endParaRPr lang="da-DK" altLang="da-DK" sz="1600" dirty="0" smtClean="0"/>
           </a:p>
           <a:p>
             <a:pPr marL="742950" lvl="1" indent="-285750">
@@ -6381,8 +5615,8 @@
               <a:buChar char="–"/>
             </a:pPr>
             <a:r>
-              <a:rPr lang="da-DK" sz="1600" dirty="0" smtClean="0"/>
-              <a:t>I de årlige evalueringer svarer, de, at kurset kan følges ved at anvende lidt mindre end den normerede tid (men der er selvfølgelig betydelige individuelle forskelle)</a:t>
+              <a:rPr lang="da-DK" altLang="da-DK" sz="1600" dirty="0" smtClean="0"/>
+              <a:t>En del af jer havde dog svært ved de fire sidste spørgsmål (om rekursive metoder)</a:t>
             </a:r>
           </a:p>
           <a:p>
@@ -6394,8 +5628,16 @@
               <a:buChar char="–"/>
             </a:pPr>
             <a:r>
-              <a:rPr lang="da-DK" sz="1600" spc="-30" dirty="0" smtClean="0"/>
-              <a:t>I forhold til ”standard” kurset har I 20-25% færre opgaver og ca. 10% mindre pensum</a:t>
+              <a:rPr lang="da-DK" altLang="da-DK" sz="1600" dirty="0" smtClean="0"/>
+              <a:t>Det er helt normalt – </a:t>
+            </a:r>
+            <a:r>
+              <a:rPr lang="da-DK" altLang="da-DK" sz="1600" dirty="0" err="1" smtClean="0"/>
+              <a:t>rekursion</a:t>
+            </a:r>
+            <a:r>
+              <a:rPr lang="da-DK" altLang="da-DK" sz="1600" dirty="0" smtClean="0"/>
+              <a:t> er svær at forstå og kræver lidt tid</a:t>
             </a:r>
           </a:p>
           <a:p>
@@ -6407,8 +5649,67 @@
               <a:buChar char="–"/>
             </a:pPr>
             <a:r>
+              <a:rPr lang="da-DK" altLang="da-DK" sz="1600" dirty="0" smtClean="0"/>
+              <a:t>Se </a:t>
+            </a:r>
+            <a:r>
+              <a:rPr lang="da-DK" altLang="da-DK" sz="1600" dirty="0" smtClean="0"/>
+              <a:t>den </a:t>
+            </a:r>
+            <a:r>
+              <a:rPr lang="da-DK" altLang="da-DK" sz="1600" dirty="0" err="1" smtClean="0"/>
+              <a:t>posting</a:t>
+            </a:r>
+            <a:r>
+              <a:rPr lang="da-DK" altLang="da-DK" sz="1600" dirty="0" smtClean="0"/>
+              <a:t>, som jeg har lavet </a:t>
+            </a:r>
+            <a:r>
+              <a:rPr lang="da-DK" altLang="da-DK" sz="1600" dirty="0" smtClean="0"/>
+              <a:t>på </a:t>
+            </a:r>
+            <a:r>
+              <a:rPr lang="da-DK" altLang="da-DK" sz="1600" dirty="0" smtClean="0"/>
+              <a:t>Seminar 3 </a:t>
+            </a:r>
+            <a:r>
+              <a:rPr lang="da-DK" altLang="da-DK" sz="1600" dirty="0" smtClean="0"/>
+              <a:t>forummet</a:t>
+            </a:r>
+            <a:endParaRPr lang="da-DK" altLang="da-DK" sz="1600" dirty="0" smtClean="0"/>
+          </a:p>
+          <a:p>
+            <a:pPr marL="285750" indent="-285750">
+              <a:spcBef>
+                <a:spcPts val="1200"/>
+              </a:spcBef>
+            </a:pPr>
+            <a:r>
+              <a:rPr lang="da-DK" sz="1800" dirty="0" smtClean="0"/>
+              <a:t>Husk </a:t>
+            </a:r>
+            <a:r>
+              <a:rPr lang="da-DK" sz="1800" dirty="0"/>
+              <a:t>at teste jeres </a:t>
+            </a:r>
+            <a:r>
+              <a:rPr lang="da-DK" sz="1800" dirty="0" smtClean="0"/>
+              <a:t>køreprøvesættene på </a:t>
+            </a:r>
+            <a:r>
+              <a:rPr lang="da-DK" sz="1800" dirty="0"/>
+              <a:t>testserveren før I afleverer</a:t>
+            </a:r>
+          </a:p>
+          <a:p>
+            <a:pPr marL="742950" lvl="1" indent="-285750">
+              <a:spcBef>
+                <a:spcPts val="600"/>
+              </a:spcBef>
+            </a:pPr>
+            <a:r>
               <a:rPr lang="da-DK" sz="1600" dirty="0" smtClean="0"/>
-              <a:t>I er ældre og lærer dermed nok lidt langsommere</a:t>
+              <a:t>Manglende kørsel på testserveren giver helt automatisk genaflevering</a:t>
             </a:r>
           </a:p>
           <a:p>
@@ -6416,43 +5717,47 @@
               <a:spcBef>
                 <a:spcPts val="600"/>
               </a:spcBef>
-              <a:buFontTx/>
-              <a:buChar char="–"/>
             </a:pPr>
             <a:r>
+              <a:rPr lang="da-DK" sz="1600" spc="-20" dirty="0" smtClean="0"/>
+              <a:t>Sidste </a:t>
+            </a:r>
+            <a:r>
+              <a:rPr lang="da-DK" sz="1600" spc="-20" dirty="0"/>
+              <a:t>kørsel på testserveren bør svare til den kode, som I afleverer på </a:t>
+            </a:r>
+            <a:r>
+              <a:rPr lang="da-DK" sz="1600" spc="-20" dirty="0" smtClean="0"/>
+              <a:t>Brightspace</a:t>
+            </a:r>
+            <a:endParaRPr lang="da-DK" sz="1600" spc="-20" dirty="0" smtClean="0"/>
+          </a:p>
+          <a:p>
+            <a:pPr marL="742950" lvl="1" indent="-285750">
+              <a:spcBef>
+                <a:spcPts val="600"/>
+              </a:spcBef>
+            </a:pPr>
+            <a:r>
               <a:rPr lang="da-DK" sz="1600" dirty="0" smtClean="0"/>
-              <a:t>Til gengæld bør I have mere studieerfaring og erfaring med at planlægge jeres tid</a:t>
-            </a:r>
-          </a:p>
-          <a:p>
-            <a:pPr marL="742950" lvl="1" indent="-285750">
-              <a:spcBef>
-                <a:spcPts val="600"/>
-              </a:spcBef>
-              <a:buFontTx/>
-              <a:buChar char="–"/>
-            </a:pPr>
+              <a:t>Brightspace </a:t>
+            </a:r>
             <a:r>
               <a:rPr lang="da-DK" sz="1600" dirty="0" smtClean="0"/>
-              <a:t>I vil også være langt mere øvede i at lave mundlige fremlæggelser (ved eksamen)</a:t>
-            </a:r>
-          </a:p>
-          <a:p>
-            <a:pPr marL="742950" lvl="1" indent="-285750">
-              <a:spcBef>
-                <a:spcPts val="600"/>
-              </a:spcBef>
-              <a:buFontTx/>
-              <a:buChar char="–"/>
-            </a:pPr>
-            <a:endParaRPr lang="da-DK" sz="1600" dirty="0"/>
+              <a:t>siden ”Test af opgaver” forklarer, hvordan man tester </a:t>
+            </a:r>
+            <a:r>
+              <a:rPr lang="da-DK" sz="1600" dirty="0" smtClean="0"/>
+              <a:t>køreprøvesæt</a:t>
+            </a:r>
+            <a:endParaRPr lang="da-DK" sz="1600" dirty="0" smtClean="0"/>
           </a:p>
         </p:txBody>
       </p:sp>
     </p:spTree>
     <p:extLst>
       <p:ext uri="{BB962C8B-B14F-4D97-AF65-F5344CB8AC3E}">
-        <p14:creationId xmlns:p14="http://schemas.microsoft.com/office/powerpoint/2010/main" val="2814278027"/>
+        <p14:creationId xmlns:p14="http://schemas.microsoft.com/office/powerpoint/2010/main" val="38965180"/>
       </p:ext>
     </p:extLst>
   </p:cSld>
@@ -6496,8 +5801,8 @@
         </p:nvSpPr>
         <p:spPr bwMode="auto">
           <a:xfrm>
-            <a:off x="391376" y="260648"/>
-            <a:ext cx="8793295" cy="682625"/>
+            <a:off x="480723" y="287035"/>
+            <a:ext cx="8207375" cy="682625"/>
           </a:xfrm>
           <a:prstGeom prst="rect">
             <a:avLst/>
@@ -6667,12 +5972,16 @@
             </a:lvl9pPr>
           </a:lstStyle>
           <a:p>
-            <a:pPr marL="271463" indent="-271463"/>
-            <a:r>
-              <a:rPr lang="da-DK" altLang="da-DK" sz="2800" dirty="0" smtClean="0"/>
-              <a:t>Afleveringsopgaverne</a:t>
-            </a:r>
-            <a:endParaRPr lang="da-DK" altLang="da-DK" sz="2800" dirty="0"/>
+            <a:pPr>
+              <a:defRPr/>
+            </a:pPr>
+            <a:r>
+              <a:rPr lang="da-DK" sz="2800" dirty="0" smtClean="0"/>
+              <a:t>Afleveringsopgaverne (fortsat)</a:t>
+            </a:r>
+            <a:endParaRPr lang="da-DK" altLang="da-DK" sz="2800" kern="0" dirty="0" smtClean="0">
+              <a:ea typeface="ＭＳ Ｐゴシック" pitchFamily="34" charset="-128"/>
+            </a:endParaRPr>
           </a:p>
         </p:txBody>
       </p:sp>
@@ -6686,8 +5995,8 @@
         </p:nvSpPr>
         <p:spPr bwMode="auto">
           <a:xfrm>
-            <a:off x="611560" y="1052736"/>
-            <a:ext cx="8424936" cy="5688632"/>
+            <a:off x="480723" y="1041668"/>
+            <a:ext cx="8411758" cy="4403556"/>
           </a:xfrm>
           <a:prstGeom prst="rect">
             <a:avLst/>
@@ -6850,20 +6159,27 @@
             </a:lvl9pPr>
           </a:lstStyle>
           <a:p>
-            <a:pPr marL="271463" lvl="1" indent="-271463">
-              <a:spcBef>
-                <a:spcPts val="1800"/>
-              </a:spcBef>
-              <a:buFontTx/>
+            <a:pPr marL="285750" lvl="1" indent="-285750">
+              <a:spcBef>
+                <a:spcPts val="1200"/>
+              </a:spcBef>
               <a:buChar char="•"/>
             </a:pPr>
             <a:r>
-              <a:rPr lang="da-DK" altLang="da-DK" sz="1800" b="1" spc="-80" dirty="0" smtClean="0">
+              <a:rPr lang="da-DK" sz="1800" b="1" dirty="0" smtClean="0">
                 <a:solidFill>
                   <a:srgbClr val="A50021"/>
                 </a:solidFill>
               </a:rPr>
-              <a:t>I Quiz 3 var jeres gennemsnitlige vurdering af pensummets sværhedsgrad 3,94</a:t>
+              <a:t>Genaflevér </a:t>
+            </a:r>
+            <a:r>
+              <a:rPr lang="da-DK" sz="1800" b="1" dirty="0">
+                <a:solidFill>
+                  <a:srgbClr val="A50021"/>
+                </a:solidFill>
+              </a:rPr>
+              <a:t>så hurtigt som muligt – så I ikke kommer bagefter</a:t>
             </a:r>
           </a:p>
           <a:p>
@@ -6873,247 +6189,208 @@
               </a:spcBef>
             </a:pPr>
             <a:r>
-              <a:rPr lang="da-DK" altLang="da-DK" sz="1600" dirty="0"/>
-              <a:t>D</a:t>
-            </a:r>
-            <a:r>
-              <a:rPr lang="da-DK" altLang="da-DK" sz="1600" dirty="0" smtClean="0"/>
-              <a:t>et er normalt, at man opfatter sværhedsgraden som stigende gennem de første uger, hvorefter den plejer at falde lidt igen</a:t>
-            </a:r>
-            <a:endParaRPr lang="da-DK" altLang="da-DK" sz="1600" dirty="0"/>
-          </a:p>
-          <a:p>
-            <a:pPr marL="742950" lvl="1" indent="-285750">
-              <a:spcBef>
-                <a:spcPts val="600"/>
-              </a:spcBef>
-            </a:pPr>
-            <a:r>
-              <a:rPr lang="da-DK" altLang="da-DK" sz="1600" dirty="0" smtClean="0"/>
-              <a:t>Til sammenligning havde de studerende på efterårskurset et gennemsnit på 3,41</a:t>
-            </a:r>
-            <a:endParaRPr lang="da-DK" altLang="da-DK" sz="1600" dirty="0"/>
+              <a:rPr lang="da-DK" sz="1600" dirty="0" smtClean="0"/>
+              <a:t>Læs instruktorens feedback til jer og forsøg så at udbedre </a:t>
+            </a:r>
+            <a:r>
+              <a:rPr lang="da-DK" sz="1600" b="1" dirty="0" smtClean="0">
+                <a:solidFill>
+                  <a:srgbClr val="008000"/>
+                </a:solidFill>
+              </a:rPr>
+              <a:t>alle</a:t>
+            </a:r>
+            <a:r>
+              <a:rPr lang="da-DK" sz="1600" dirty="0" smtClean="0"/>
+              <a:t> de fejl og mangler, som han har påpeget</a:t>
+            </a:r>
+            <a:endParaRPr lang="da-DK" sz="1600" dirty="0"/>
           </a:p>
           <a:p>
             <a:pPr marL="271463" lvl="1" indent="-271463">
               <a:spcBef>
-                <a:spcPts val="1200"/>
-              </a:spcBef>
-              <a:buFontTx/>
+                <a:spcPts val="1800"/>
+              </a:spcBef>
               <a:buChar char="•"/>
             </a:pPr>
             <a:r>
-              <a:rPr lang="da-DK" altLang="da-DK" sz="1800" b="1" spc="-40" dirty="0" smtClean="0">
+              <a:rPr lang="da-DK" sz="1800" b="1" dirty="0" smtClean="0">
                 <a:solidFill>
                   <a:srgbClr val="A50021"/>
                 </a:solidFill>
               </a:rPr>
-              <a:t>I har klaret Raflebæger 3 og Skildpadde 2 rigtigt flot</a:t>
-            </a:r>
-          </a:p>
-          <a:p>
-            <a:pPr marL="742950" lvl="1" indent="-285750">
+              <a:t>I </a:t>
+            </a:r>
+            <a:r>
+              <a:rPr lang="da-DK" sz="1800" b="1" dirty="0">
+                <a:solidFill>
+                  <a:srgbClr val="A50021"/>
+                </a:solidFill>
+              </a:rPr>
+              <a:t>bør </a:t>
+            </a:r>
+            <a:r>
+              <a:rPr lang="da-DK" sz="1800" b="1" dirty="0">
+                <a:solidFill>
+                  <a:srgbClr val="008000"/>
+                </a:solidFill>
+              </a:rPr>
+              <a:t>ikke</a:t>
+            </a:r>
+            <a:r>
+              <a:rPr lang="da-DK" sz="1800" b="1" dirty="0">
+                <a:solidFill>
+                  <a:srgbClr val="A50021"/>
+                </a:solidFill>
+              </a:rPr>
+              <a:t> dele opgaverne imellem jer, så en løser den ene opgave, mens makkeren løser den anden opgave</a:t>
+            </a:r>
+          </a:p>
+          <a:p>
+            <a:pPr marL="728663" lvl="1" indent="-271463">
               <a:spcBef>
                 <a:spcPts val="600"/>
               </a:spcBef>
-              <a:buFontTx/>
-              <a:buChar char="–"/>
             </a:pPr>
             <a:r>
-              <a:rPr lang="da-DK" altLang="da-DK" sz="1600" dirty="0" smtClean="0"/>
-              <a:t>Få genafleveringer </a:t>
-            </a:r>
-            <a:r>
-              <a:rPr lang="da-DK" altLang="da-DK" sz="1600" smtClean="0"/>
-              <a:t>og </a:t>
-            </a:r>
-            <a:r>
-              <a:rPr lang="da-DK" altLang="da-DK" sz="1600" smtClean="0"/>
-              <a:t>nu er </a:t>
-            </a:r>
-            <a:r>
-              <a:rPr lang="da-DK" altLang="da-DK" sz="1600" dirty="0" smtClean="0"/>
-              <a:t>alle godkendt</a:t>
-            </a:r>
+              <a:rPr lang="da-DK" sz="1600" dirty="0" smtClean="0"/>
+              <a:t>Det er vigtigt, at I får mest mulig træning i at programmere, så I er klar til de </a:t>
+            </a:r>
+            <a:r>
+              <a:rPr lang="da-DK" sz="1600" dirty="0" smtClean="0"/>
+              <a:t>lidt </a:t>
+            </a:r>
+            <a:r>
+              <a:rPr lang="da-DK" sz="1600" dirty="0" smtClean="0"/>
+              <a:t>større opgaver i kursets anden halvdel</a:t>
+            </a:r>
+            <a:endParaRPr lang="da-DK" sz="1600" dirty="0"/>
           </a:p>
           <a:p>
             <a:pPr marL="271463" lvl="1" indent="-271463">
               <a:spcBef>
-                <a:spcPts val="1200"/>
-              </a:spcBef>
-              <a:buFontTx/>
+                <a:spcPts val="1800"/>
+              </a:spcBef>
               <a:buChar char="•"/>
             </a:pPr>
             <a:r>
-              <a:rPr lang="da-DK" altLang="da-DK" sz="1800" b="1" spc="-40" dirty="0">
+              <a:rPr lang="da-DK" sz="1800" b="1" dirty="0">
                 <a:solidFill>
                   <a:srgbClr val="A50021"/>
                 </a:solidFill>
               </a:rPr>
-              <a:t>I har klaret Quiz 3 </a:t>
-            </a:r>
-            <a:r>
-              <a:rPr lang="da-DK" altLang="da-DK" sz="1800" b="1" spc="-40" dirty="0" smtClean="0">
+              <a:t>I må </a:t>
+            </a:r>
+            <a:r>
+              <a:rPr lang="da-DK" sz="1800" b="1" dirty="0">
+                <a:solidFill>
+                  <a:srgbClr val="008000"/>
+                </a:solidFill>
+              </a:rPr>
+              <a:t>ikke</a:t>
+            </a:r>
+            <a:r>
+              <a:rPr lang="da-DK" sz="1800" b="1" dirty="0">
                 <a:solidFill>
                   <a:srgbClr val="A50021"/>
                 </a:solidFill>
               </a:rPr>
-              <a:t>væsentligt bedre </a:t>
-            </a:r>
-            <a:r>
-              <a:rPr lang="da-DK" altLang="da-DK" sz="1800" b="1" spc="-40" dirty="0">
+              <a:t> plagiere hinandens opgaver (heller ikke en enkelt metode)</a:t>
+            </a:r>
+          </a:p>
+          <a:p>
+            <a:pPr marL="728663" lvl="1" indent="-271463">
+              <a:spcBef>
+                <a:spcPts val="600"/>
+              </a:spcBef>
+            </a:pPr>
+            <a:r>
+              <a:rPr lang="da-DK" sz="1600" dirty="0"/>
+              <a:t>Plagiering betyder, at man ikke får det obligatoriske program godkendt, og dermed ikke kan deltage i den afsluttende mundtlige eksamen</a:t>
+            </a:r>
+          </a:p>
+          <a:p>
+            <a:pPr marL="728663" lvl="1" indent="-271463">
+              <a:spcBef>
+                <a:spcPts val="600"/>
+              </a:spcBef>
+            </a:pPr>
+            <a:r>
+              <a:rPr lang="da-DK" sz="1600" dirty="0"/>
+              <a:t>Vi bruger avancerede værktøjer til afsløring af </a:t>
+            </a:r>
+            <a:r>
+              <a:rPr lang="da-DK" sz="1600" dirty="0" smtClean="0"/>
+              <a:t>plagiering</a:t>
+            </a:r>
+          </a:p>
+          <a:p>
+            <a:pPr marL="271463" lvl="1" indent="-271463">
+              <a:spcBef>
+                <a:spcPts val="1800"/>
+              </a:spcBef>
+              <a:buChar char="•"/>
+            </a:pPr>
+            <a:r>
+              <a:rPr lang="da-DK" sz="1800" b="1" dirty="0">
                 <a:solidFill>
                   <a:srgbClr val="A50021"/>
                 </a:solidFill>
               </a:rPr>
-              <a:t>end de studerende i efteråret</a:t>
-            </a:r>
+              <a:t>I må </a:t>
+            </a:r>
+            <a:r>
+              <a:rPr lang="da-DK" sz="1800" b="1" dirty="0" smtClean="0">
+                <a:solidFill>
+                  <a:srgbClr val="008000"/>
+                </a:solidFill>
+              </a:rPr>
+              <a:t>ikke</a:t>
+            </a:r>
+            <a:r>
+              <a:rPr lang="da-DK" sz="1800" b="1" dirty="0" smtClean="0">
+                <a:solidFill>
+                  <a:srgbClr val="A50021"/>
+                </a:solidFill>
+              </a:rPr>
+              <a:t> </a:t>
+            </a:r>
+            <a:r>
+              <a:rPr lang="da-DK" sz="1800" b="1" dirty="0">
+                <a:solidFill>
+                  <a:srgbClr val="A50021"/>
+                </a:solidFill>
+              </a:rPr>
+              <a:t>offentliggøre hele </a:t>
+            </a:r>
+            <a:r>
+              <a:rPr lang="da-DK" sz="1800" b="1" dirty="0" smtClean="0">
+                <a:solidFill>
+                  <a:srgbClr val="A50021"/>
+                </a:solidFill>
+              </a:rPr>
+              <a:t>metoder på webboardet</a:t>
+            </a:r>
+            <a:endParaRPr lang="da-DK" sz="1800" b="1" dirty="0">
+              <a:solidFill>
+                <a:srgbClr val="A50021"/>
+              </a:solidFill>
+            </a:endParaRPr>
           </a:p>
           <a:p>
             <a:pPr marL="742950" lvl="1" indent="-285750">
               <a:spcBef>
                 <a:spcPts val="600"/>
               </a:spcBef>
-              <a:buFontTx/>
-              <a:buChar char="–"/>
             </a:pPr>
-            <a:r>
-              <a:rPr lang="da-DK" altLang="da-DK" sz="1600" dirty="0" smtClean="0"/>
-              <a:t>I brugte 1,32 forsøg pr spørgsmål (mod 1,55 i efteråret)</a:t>
-            </a:r>
-          </a:p>
-          <a:p>
-            <a:pPr marL="742950" lvl="1" indent="-285750">
-              <a:spcBef>
-                <a:spcPts val="600"/>
-              </a:spcBef>
-              <a:buFontTx/>
-              <a:buChar char="–"/>
-            </a:pPr>
-            <a:r>
-              <a:rPr lang="da-DK" altLang="da-DK" sz="1600" dirty="0" smtClean="0"/>
-              <a:t>En del af jer havde dog svært ved de fire sidste spørgsmål (om rekursive metoder)</a:t>
-            </a:r>
-          </a:p>
-          <a:p>
-            <a:pPr marL="742950" lvl="1" indent="-285750">
-              <a:spcBef>
-                <a:spcPts val="600"/>
-              </a:spcBef>
-              <a:buFontTx/>
-              <a:buChar char="–"/>
-            </a:pPr>
-            <a:r>
-              <a:rPr lang="da-DK" altLang="da-DK" sz="1600" dirty="0" smtClean="0"/>
-              <a:t>Se den </a:t>
-            </a:r>
-            <a:r>
-              <a:rPr lang="da-DK" altLang="da-DK" sz="1600" dirty="0" err="1" smtClean="0"/>
-              <a:t>posting</a:t>
-            </a:r>
-            <a:r>
-              <a:rPr lang="da-DK" altLang="da-DK" sz="1600" dirty="0" smtClean="0"/>
-              <a:t>, som jeg har lavet herom (på Seminar 3 forummet)</a:t>
-            </a:r>
-          </a:p>
-          <a:p>
-            <a:pPr marL="742950" lvl="1" indent="-285750">
-              <a:spcBef>
-                <a:spcPts val="600"/>
-              </a:spcBef>
-              <a:buFontTx/>
-              <a:buChar char="–"/>
-            </a:pPr>
-            <a:r>
-              <a:rPr lang="da-DK" altLang="da-DK" sz="1600" dirty="0" smtClean="0"/>
-              <a:t>Der er igen to af jer, der har afleveret quizzen for sent – det er noget sjusk</a:t>
-            </a:r>
-          </a:p>
-          <a:p>
-            <a:pPr marL="285750" indent="-285750">
-              <a:spcBef>
-                <a:spcPts val="1200"/>
-              </a:spcBef>
-            </a:pPr>
-            <a:r>
-              <a:rPr lang="da-DK" sz="1800" dirty="0" smtClean="0"/>
-              <a:t>Husk </a:t>
-            </a:r>
-            <a:r>
-              <a:rPr lang="da-DK" sz="1800" dirty="0"/>
-              <a:t>at teste jeres opgaver på testserveren før I afleverer</a:t>
-            </a:r>
-          </a:p>
-          <a:p>
-            <a:pPr marL="742950" lvl="1" indent="-285750">
-              <a:spcBef>
-                <a:spcPts val="600"/>
-              </a:spcBef>
-            </a:pPr>
-            <a:r>
-              <a:rPr lang="da-DK" sz="1600" dirty="0" smtClean="0"/>
-              <a:t>Manglende kørsel på testserveren giver helt automatisk genaflevering</a:t>
-            </a:r>
-          </a:p>
-          <a:p>
-            <a:pPr marL="742950" lvl="1" indent="-285750">
-              <a:spcBef>
-                <a:spcPts val="600"/>
-              </a:spcBef>
-            </a:pPr>
-            <a:r>
-              <a:rPr lang="da-DK" sz="1600" dirty="0" smtClean="0"/>
-              <a:t>Sidste </a:t>
-            </a:r>
-            <a:r>
-              <a:rPr lang="da-DK" sz="1600" dirty="0"/>
-              <a:t>kørsel på testserveren bør svare til den kode, som I afleverer på </a:t>
-            </a:r>
-            <a:r>
-              <a:rPr lang="da-DK" sz="1600" dirty="0" smtClean="0"/>
-              <a:t>Blackboard</a:t>
-            </a:r>
-          </a:p>
-          <a:p>
-            <a:pPr marL="742950" lvl="1" indent="-285750">
-              <a:spcBef>
-                <a:spcPts val="600"/>
-              </a:spcBef>
-            </a:pPr>
-            <a:r>
-              <a:rPr lang="da-DK" sz="1600" dirty="0" smtClean="0"/>
-              <a:t>Ovenstående gælder også køreprøvesættene</a:t>
-            </a:r>
-          </a:p>
-          <a:p>
-            <a:pPr marL="742950" lvl="1" indent="-285750">
-              <a:spcBef>
-                <a:spcPts val="600"/>
-              </a:spcBef>
-            </a:pPr>
-            <a:r>
-              <a:rPr lang="da-DK" sz="1600" dirty="0" smtClean="0"/>
-              <a:t>Blackboard siden ”Test af opgaver” forklarer, hvordan man tester køreprøvesæt</a:t>
-            </a:r>
-          </a:p>
-          <a:p>
-            <a:pPr marL="742950" lvl="1" indent="-285750">
-              <a:spcBef>
-                <a:spcPts val="600"/>
-              </a:spcBef>
-            </a:pPr>
-            <a:r>
-              <a:rPr lang="da-DK" sz="1600" spc="-50" dirty="0" smtClean="0"/>
-              <a:t>Download en ny version af TestServer.java (i stedet for at kopiere fra et gammelt projekt)</a:t>
-            </a:r>
-            <a:endParaRPr lang="da-DK" sz="1600" spc="-50" dirty="0"/>
+            <a:endParaRPr lang="da-DK" sz="1800" dirty="0"/>
           </a:p>
         </p:txBody>
       </p:sp>
     </p:spTree>
     <p:extLst>
       <p:ext uri="{BB962C8B-B14F-4D97-AF65-F5344CB8AC3E}">
-        <p14:creationId xmlns:p14="http://schemas.microsoft.com/office/powerpoint/2010/main" val="38965180"/>
+        <p14:creationId xmlns:p14="http://schemas.microsoft.com/office/powerpoint/2010/main" val="656413769"/>
       </p:ext>
     </p:extLst>
   </p:cSld>
@@ -7157,1005 +6434,6 @@
         </p:nvSpPr>
         <p:spPr bwMode="auto">
           <a:xfrm>
-            <a:off x="480723" y="287035"/>
-            <a:ext cx="8207375" cy="682625"/>
-          </a:xfrm>
-          <a:prstGeom prst="rect">
-            <a:avLst/>
-          </a:prstGeom>
-          <a:noFill/>
-          <a:ln>
-            <a:noFill/>
-          </a:ln>
-          <a:extLst>
-            <a:ext uri="{909E8E84-426E-40DD-AFC4-6F175D3DCCD1}">
-              <a14:hiddenFill xmlns:a14="http://schemas.microsoft.com/office/drawing/2010/main">
-                <a:solidFill>
-                  <a:srgbClr val="FFFFFF"/>
-                </a:solidFill>
-              </a14:hiddenFill>
-            </a:ext>
-            <a:ext uri="{91240B29-F687-4F45-9708-019B960494DF}">
-              <a14:hiddenLine xmlns:a14="http://schemas.microsoft.com/office/drawing/2010/main" w="9525">
-                <a:solidFill>
-                  <a:srgbClr val="000000"/>
-                </a:solidFill>
-                <a:miter lim="800000"/>
-                <a:headEnd/>
-                <a:tailEnd/>
-              </a14:hiddenLine>
-            </a:ext>
-          </a:extLst>
-        </p:spPr>
-        <p:txBody>
-          <a:bodyPr anchor="ctr"/>
-          <a:lstStyle>
-            <a:lvl1pPr algn="l" rtl="0" eaLnBrk="0" fontAlgn="base" hangingPunct="0">
-              <a:spcBef>
-                <a:spcPct val="0"/>
-              </a:spcBef>
-              <a:spcAft>
-                <a:spcPct val="0"/>
-              </a:spcAft>
-              <a:defRPr sz="3600" b="1">
-                <a:solidFill>
-                  <a:srgbClr val="000066"/>
-                </a:solidFill>
-                <a:latin typeface="+mj-lt"/>
-                <a:ea typeface="ＭＳ Ｐゴシック" pitchFamily="-107" charset="-128"/>
-                <a:cs typeface="ＭＳ Ｐゴシック" pitchFamily="-107" charset="-128"/>
-              </a:defRPr>
-            </a:lvl1pPr>
-            <a:lvl2pPr algn="l" rtl="0" eaLnBrk="0" fontAlgn="base" hangingPunct="0">
-              <a:spcBef>
-                <a:spcPct val="0"/>
-              </a:spcBef>
-              <a:spcAft>
-                <a:spcPct val="0"/>
-              </a:spcAft>
-              <a:defRPr sz="3600" b="1">
-                <a:solidFill>
-                  <a:srgbClr val="000066"/>
-                </a:solidFill>
-                <a:latin typeface="Arial" charset="0"/>
-                <a:ea typeface="ＭＳ Ｐゴシック" pitchFamily="-107" charset="-128"/>
-                <a:cs typeface="ＭＳ Ｐゴシック" pitchFamily="-107" charset="-128"/>
-              </a:defRPr>
-            </a:lvl2pPr>
-            <a:lvl3pPr algn="l" rtl="0" eaLnBrk="0" fontAlgn="base" hangingPunct="0">
-              <a:spcBef>
-                <a:spcPct val="0"/>
-              </a:spcBef>
-              <a:spcAft>
-                <a:spcPct val="0"/>
-              </a:spcAft>
-              <a:defRPr sz="3600" b="1">
-                <a:solidFill>
-                  <a:srgbClr val="000066"/>
-                </a:solidFill>
-                <a:latin typeface="Arial" charset="0"/>
-                <a:ea typeface="ＭＳ Ｐゴシック" pitchFamily="-107" charset="-128"/>
-                <a:cs typeface="ＭＳ Ｐゴシック" pitchFamily="-107" charset="-128"/>
-              </a:defRPr>
-            </a:lvl3pPr>
-            <a:lvl4pPr algn="l" rtl="0" eaLnBrk="0" fontAlgn="base" hangingPunct="0">
-              <a:spcBef>
-                <a:spcPct val="0"/>
-              </a:spcBef>
-              <a:spcAft>
-                <a:spcPct val="0"/>
-              </a:spcAft>
-              <a:defRPr sz="3600" b="1">
-                <a:solidFill>
-                  <a:srgbClr val="000066"/>
-                </a:solidFill>
-                <a:latin typeface="Arial" charset="0"/>
-                <a:ea typeface="ＭＳ Ｐゴシック" pitchFamily="-107" charset="-128"/>
-                <a:cs typeface="ＭＳ Ｐゴシック" pitchFamily="-107" charset="-128"/>
-              </a:defRPr>
-            </a:lvl4pPr>
-            <a:lvl5pPr algn="l" rtl="0" eaLnBrk="0" fontAlgn="base" hangingPunct="0">
-              <a:spcBef>
-                <a:spcPct val="0"/>
-              </a:spcBef>
-              <a:spcAft>
-                <a:spcPct val="0"/>
-              </a:spcAft>
-              <a:defRPr sz="3600" b="1">
-                <a:solidFill>
-                  <a:srgbClr val="000066"/>
-                </a:solidFill>
-                <a:latin typeface="Arial" charset="0"/>
-                <a:ea typeface="ＭＳ Ｐゴシック" pitchFamily="-107" charset="-128"/>
-                <a:cs typeface="ＭＳ Ｐゴシック" pitchFamily="-107" charset="-128"/>
-              </a:defRPr>
-            </a:lvl5pPr>
-            <a:lvl6pPr marL="457200" algn="l" rtl="0" fontAlgn="base">
-              <a:spcBef>
-                <a:spcPct val="0"/>
-              </a:spcBef>
-              <a:spcAft>
-                <a:spcPct val="0"/>
-              </a:spcAft>
-              <a:defRPr sz="3600" b="1">
-                <a:solidFill>
-                  <a:srgbClr val="000066"/>
-                </a:solidFill>
-                <a:latin typeface="Arial" charset="0"/>
-              </a:defRPr>
-            </a:lvl6pPr>
-            <a:lvl7pPr marL="914400" algn="l" rtl="0" fontAlgn="base">
-              <a:spcBef>
-                <a:spcPct val="0"/>
-              </a:spcBef>
-              <a:spcAft>
-                <a:spcPct val="0"/>
-              </a:spcAft>
-              <a:defRPr sz="3600" b="1">
-                <a:solidFill>
-                  <a:srgbClr val="000066"/>
-                </a:solidFill>
-                <a:latin typeface="Arial" charset="0"/>
-              </a:defRPr>
-            </a:lvl7pPr>
-            <a:lvl8pPr marL="1371600" algn="l" rtl="0" fontAlgn="base">
-              <a:spcBef>
-                <a:spcPct val="0"/>
-              </a:spcBef>
-              <a:spcAft>
-                <a:spcPct val="0"/>
-              </a:spcAft>
-              <a:defRPr sz="3600" b="1">
-                <a:solidFill>
-                  <a:srgbClr val="000066"/>
-                </a:solidFill>
-                <a:latin typeface="Arial" charset="0"/>
-              </a:defRPr>
-            </a:lvl8pPr>
-            <a:lvl9pPr marL="1828800" algn="l" rtl="0" fontAlgn="base">
-              <a:spcBef>
-                <a:spcPct val="0"/>
-              </a:spcBef>
-              <a:spcAft>
-                <a:spcPct val="0"/>
-              </a:spcAft>
-              <a:defRPr sz="3600" b="1">
-                <a:solidFill>
-                  <a:srgbClr val="000066"/>
-                </a:solidFill>
-                <a:latin typeface="Arial" charset="0"/>
-              </a:defRPr>
-            </a:lvl9pPr>
-          </a:lstStyle>
-          <a:p>
-            <a:pPr>
-              <a:defRPr/>
-            </a:pPr>
-            <a:r>
-              <a:rPr lang="da-DK" sz="2800" dirty="0" smtClean="0"/>
-              <a:t>Afleveringsopgaverne (fortsat)</a:t>
-            </a:r>
-            <a:endParaRPr lang="da-DK" altLang="da-DK" sz="2800" kern="0" dirty="0" smtClean="0">
-              <a:ea typeface="ＭＳ Ｐゴシック" pitchFamily="34" charset="-128"/>
-            </a:endParaRPr>
-          </a:p>
-        </p:txBody>
-      </p:sp>
-      <p:sp>
-        <p:nvSpPr>
-          <p:cNvPr id="8" name="Content Placeholder 2"/>
-          <p:cNvSpPr txBox="1">
-            <a:spLocks/>
-          </p:cNvSpPr>
-          <p:nvPr/>
-        </p:nvSpPr>
-        <p:spPr bwMode="auto">
-          <a:xfrm>
-            <a:off x="480723" y="1041668"/>
-            <a:ext cx="8411758" cy="4403556"/>
-          </a:xfrm>
-          <a:prstGeom prst="rect">
-            <a:avLst/>
-          </a:prstGeom>
-          <a:noFill/>
-          <a:ln>
-            <a:noFill/>
-          </a:ln>
-          <a:extLst>
-            <a:ext uri="{909E8E84-426E-40DD-AFC4-6F175D3DCCD1}">
-              <a14:hiddenFill xmlns:a14="http://schemas.microsoft.com/office/drawing/2010/main">
-                <a:solidFill>
-                  <a:srgbClr val="FFFFFF"/>
-                </a:solidFill>
-              </a14:hiddenFill>
-            </a:ext>
-            <a:ext uri="{91240B29-F687-4F45-9708-019B960494DF}">
-              <a14:hiddenLine xmlns:a14="http://schemas.microsoft.com/office/drawing/2010/main" w="9525">
-                <a:solidFill>
-                  <a:srgbClr val="000000"/>
-                </a:solidFill>
-                <a:miter lim="800000"/>
-                <a:headEnd/>
-                <a:tailEnd/>
-              </a14:hiddenLine>
-            </a:ext>
-          </a:extLst>
-        </p:spPr>
-        <p:txBody>
-          <a:bodyPr/>
-          <a:lstStyle>
-            <a:lvl1pPr eaLnBrk="0" hangingPunct="0">
-              <a:spcBef>
-                <a:spcPct val="20000"/>
-              </a:spcBef>
-              <a:buChar char="•"/>
-              <a:defRPr sz="2400" b="1">
-                <a:solidFill>
-                  <a:srgbClr val="A50021"/>
-                </a:solidFill>
-                <a:latin typeface="Arial" pitchFamily="34" charset="0"/>
-                <a:ea typeface="ＭＳ Ｐゴシック" pitchFamily="34" charset="-128"/>
-              </a:defRPr>
-            </a:lvl1pPr>
-            <a:lvl2pPr eaLnBrk="0" hangingPunct="0">
-              <a:spcBef>
-                <a:spcPct val="20000"/>
-              </a:spcBef>
-              <a:buChar char="–"/>
-              <a:defRPr sz="2000">
-                <a:solidFill>
-                  <a:srgbClr val="000066"/>
-                </a:solidFill>
-                <a:latin typeface="Arial" pitchFamily="34" charset="0"/>
-                <a:ea typeface="ＭＳ Ｐゴシック" pitchFamily="34" charset="-128"/>
-              </a:defRPr>
-            </a:lvl2pPr>
-            <a:lvl3pPr eaLnBrk="0" hangingPunct="0">
-              <a:spcBef>
-                <a:spcPct val="20000"/>
-              </a:spcBef>
-              <a:buChar char="•"/>
-              <a:defRPr sz="1600">
-                <a:solidFill>
-                  <a:schemeClr val="tx1"/>
-                </a:solidFill>
-                <a:latin typeface="Arial" pitchFamily="34" charset="0"/>
-                <a:ea typeface="ＭＳ Ｐゴシック" pitchFamily="34" charset="-128"/>
-              </a:defRPr>
-            </a:lvl3pPr>
-            <a:lvl4pPr eaLnBrk="0" hangingPunct="0">
-              <a:spcBef>
-                <a:spcPct val="20000"/>
-              </a:spcBef>
-              <a:buChar char="–"/>
-              <a:defRPr sz="1600">
-                <a:solidFill>
-                  <a:schemeClr val="tx1"/>
-                </a:solidFill>
-                <a:latin typeface="Times New Roman" pitchFamily="18" charset="0"/>
-                <a:ea typeface="ＭＳ Ｐゴシック" pitchFamily="34" charset="-128"/>
-              </a:defRPr>
-            </a:lvl4pPr>
-            <a:lvl5pPr eaLnBrk="0" hangingPunct="0">
-              <a:spcBef>
-                <a:spcPct val="20000"/>
-              </a:spcBef>
-              <a:buChar char="»"/>
-              <a:defRPr sz="1200">
-                <a:solidFill>
-                  <a:schemeClr val="tx1"/>
-                </a:solidFill>
-                <a:latin typeface="Times New Roman" pitchFamily="18" charset="0"/>
-                <a:ea typeface="ＭＳ Ｐゴシック" pitchFamily="34" charset="-128"/>
-              </a:defRPr>
-            </a:lvl5pPr>
-            <a:lvl6pPr eaLnBrk="0" fontAlgn="base" hangingPunct="0">
-              <a:spcBef>
-                <a:spcPct val="20000"/>
-              </a:spcBef>
-              <a:spcAft>
-                <a:spcPct val="0"/>
-              </a:spcAft>
-              <a:buChar char="»"/>
-              <a:defRPr sz="1200">
-                <a:solidFill>
-                  <a:schemeClr val="tx1"/>
-                </a:solidFill>
-                <a:latin typeface="Times New Roman" pitchFamily="18" charset="0"/>
-                <a:ea typeface="ＭＳ Ｐゴシック" pitchFamily="34" charset="-128"/>
-              </a:defRPr>
-            </a:lvl6pPr>
-            <a:lvl7pPr eaLnBrk="0" fontAlgn="base" hangingPunct="0">
-              <a:spcBef>
-                <a:spcPct val="20000"/>
-              </a:spcBef>
-              <a:spcAft>
-                <a:spcPct val="0"/>
-              </a:spcAft>
-              <a:buChar char="»"/>
-              <a:defRPr sz="1200">
-                <a:solidFill>
-                  <a:schemeClr val="tx1"/>
-                </a:solidFill>
-                <a:latin typeface="Times New Roman" pitchFamily="18" charset="0"/>
-                <a:ea typeface="ＭＳ Ｐゴシック" pitchFamily="34" charset="-128"/>
-              </a:defRPr>
-            </a:lvl7pPr>
-            <a:lvl8pPr eaLnBrk="0" fontAlgn="base" hangingPunct="0">
-              <a:spcBef>
-                <a:spcPct val="20000"/>
-              </a:spcBef>
-              <a:spcAft>
-                <a:spcPct val="0"/>
-              </a:spcAft>
-              <a:buChar char="»"/>
-              <a:defRPr sz="1200">
-                <a:solidFill>
-                  <a:schemeClr val="tx1"/>
-                </a:solidFill>
-                <a:latin typeface="Times New Roman" pitchFamily="18" charset="0"/>
-                <a:ea typeface="ＭＳ Ｐゴシック" pitchFamily="34" charset="-128"/>
-              </a:defRPr>
-            </a:lvl8pPr>
-            <a:lvl9pPr eaLnBrk="0" fontAlgn="base" hangingPunct="0">
-              <a:spcBef>
-                <a:spcPct val="20000"/>
-              </a:spcBef>
-              <a:spcAft>
-                <a:spcPct val="0"/>
-              </a:spcAft>
-              <a:buChar char="»"/>
-              <a:defRPr sz="1200">
-                <a:solidFill>
-                  <a:schemeClr val="tx1"/>
-                </a:solidFill>
-                <a:latin typeface="Times New Roman" pitchFamily="18" charset="0"/>
-                <a:ea typeface="ＭＳ Ｐゴシック" pitchFamily="34" charset="-128"/>
-              </a:defRPr>
-            </a:lvl9pPr>
-          </a:lstStyle>
-          <a:p>
-            <a:pPr marL="285750" lvl="1" indent="-285750">
-              <a:spcBef>
-                <a:spcPts val="1200"/>
-              </a:spcBef>
-              <a:buChar char="•"/>
-            </a:pPr>
-            <a:r>
-              <a:rPr lang="da-DK" sz="1800" b="1" dirty="0" smtClean="0">
-                <a:solidFill>
-                  <a:srgbClr val="A50021"/>
-                </a:solidFill>
-              </a:rPr>
-              <a:t>Genaflevér </a:t>
-            </a:r>
-            <a:r>
-              <a:rPr lang="da-DK" sz="1800" b="1" dirty="0">
-                <a:solidFill>
-                  <a:srgbClr val="A50021"/>
-                </a:solidFill>
-              </a:rPr>
-              <a:t>så hurtigt som muligt – så I ikke kommer bagefter</a:t>
-            </a:r>
-          </a:p>
-          <a:p>
-            <a:pPr marL="742950" lvl="1" indent="-285750">
-              <a:spcBef>
-                <a:spcPts val="600"/>
-              </a:spcBef>
-            </a:pPr>
-            <a:r>
-              <a:rPr lang="da-DK" sz="1600" dirty="0" smtClean="0"/>
-              <a:t>Læs instruktorens feedback til jer og forsøg så at udbedre </a:t>
-            </a:r>
-            <a:r>
-              <a:rPr lang="da-DK" sz="1600" b="1" dirty="0" smtClean="0">
-                <a:solidFill>
-                  <a:srgbClr val="008000"/>
-                </a:solidFill>
-              </a:rPr>
-              <a:t>alle</a:t>
-            </a:r>
-            <a:r>
-              <a:rPr lang="da-DK" sz="1600" dirty="0" smtClean="0"/>
-              <a:t> de fejl og mangler, som han har påpeget</a:t>
-            </a:r>
-            <a:endParaRPr lang="da-DK" sz="1600" dirty="0"/>
-          </a:p>
-          <a:p>
-            <a:pPr marL="271463" lvl="1" indent="-271463">
-              <a:spcBef>
-                <a:spcPts val="1800"/>
-              </a:spcBef>
-              <a:buChar char="•"/>
-            </a:pPr>
-            <a:r>
-              <a:rPr lang="da-DK" sz="1800" b="1" dirty="0" smtClean="0">
-                <a:solidFill>
-                  <a:srgbClr val="A50021"/>
-                </a:solidFill>
-              </a:rPr>
-              <a:t>I </a:t>
-            </a:r>
-            <a:r>
-              <a:rPr lang="da-DK" sz="1800" b="1" dirty="0">
-                <a:solidFill>
-                  <a:srgbClr val="A50021"/>
-                </a:solidFill>
-              </a:rPr>
-              <a:t>bør </a:t>
-            </a:r>
-            <a:r>
-              <a:rPr lang="da-DK" sz="1800" b="1" dirty="0">
-                <a:solidFill>
-                  <a:srgbClr val="008000"/>
-                </a:solidFill>
-              </a:rPr>
-              <a:t>ikke</a:t>
-            </a:r>
-            <a:r>
-              <a:rPr lang="da-DK" sz="1800" b="1" dirty="0">
-                <a:solidFill>
-                  <a:srgbClr val="A50021"/>
-                </a:solidFill>
-              </a:rPr>
-              <a:t> dele opgaverne imellem jer, så en løser den ene opgave, mens makkeren løser den anden opgave</a:t>
-            </a:r>
-          </a:p>
-          <a:p>
-            <a:pPr marL="728663" lvl="1" indent="-271463">
-              <a:spcBef>
-                <a:spcPts val="600"/>
-              </a:spcBef>
-            </a:pPr>
-            <a:r>
-              <a:rPr lang="da-DK" sz="1600" dirty="0" smtClean="0"/>
-              <a:t>Det er vigtigt, at I får mest mulig træning i at programmere, så I er klar til de </a:t>
-            </a:r>
-            <a:r>
-              <a:rPr lang="da-DK" sz="1600" dirty="0" err="1" smtClean="0"/>
-              <a:t>ldit</a:t>
-            </a:r>
-            <a:r>
-              <a:rPr lang="da-DK" sz="1600" dirty="0" smtClean="0"/>
-              <a:t> større opgaver i kursets anden halvdel</a:t>
-            </a:r>
-            <a:endParaRPr lang="da-DK" sz="1600" dirty="0"/>
-          </a:p>
-          <a:p>
-            <a:pPr marL="271463" lvl="1" indent="-271463">
-              <a:spcBef>
-                <a:spcPts val="1800"/>
-              </a:spcBef>
-              <a:buChar char="•"/>
-            </a:pPr>
-            <a:r>
-              <a:rPr lang="da-DK" sz="1800" b="1" dirty="0">
-                <a:solidFill>
-                  <a:srgbClr val="A50021"/>
-                </a:solidFill>
-              </a:rPr>
-              <a:t>I må </a:t>
-            </a:r>
-            <a:r>
-              <a:rPr lang="da-DK" sz="1800" b="1" dirty="0">
-                <a:solidFill>
-                  <a:srgbClr val="008000"/>
-                </a:solidFill>
-              </a:rPr>
-              <a:t>ikke</a:t>
-            </a:r>
-            <a:r>
-              <a:rPr lang="da-DK" sz="1800" b="1" dirty="0">
-                <a:solidFill>
-                  <a:srgbClr val="A50021"/>
-                </a:solidFill>
-              </a:rPr>
-              <a:t> plagiere hinandens opgaver (heller ikke en enkelt metode)</a:t>
-            </a:r>
-          </a:p>
-          <a:p>
-            <a:pPr marL="728663" lvl="1" indent="-271463">
-              <a:spcBef>
-                <a:spcPts val="600"/>
-              </a:spcBef>
-            </a:pPr>
-            <a:r>
-              <a:rPr lang="da-DK" sz="1600" dirty="0"/>
-              <a:t>Plagiering betyder, at man ikke får det obligatoriske program godkendt, og dermed ikke kan deltage i den afsluttende mundtlige eksamen</a:t>
-            </a:r>
-          </a:p>
-          <a:p>
-            <a:pPr marL="728663" lvl="1" indent="-271463">
-              <a:spcBef>
-                <a:spcPts val="600"/>
-              </a:spcBef>
-            </a:pPr>
-            <a:r>
-              <a:rPr lang="da-DK" sz="1600" dirty="0"/>
-              <a:t>Vi bruger avancerede værktøjer til afsløring af </a:t>
-            </a:r>
-            <a:r>
-              <a:rPr lang="da-DK" sz="1600" dirty="0" smtClean="0"/>
-              <a:t>plagiering</a:t>
-            </a:r>
-          </a:p>
-          <a:p>
-            <a:pPr marL="271463" lvl="1" indent="-271463">
-              <a:spcBef>
-                <a:spcPts val="1800"/>
-              </a:spcBef>
-              <a:buChar char="•"/>
-            </a:pPr>
-            <a:r>
-              <a:rPr lang="da-DK" sz="1800" b="1" dirty="0">
-                <a:solidFill>
-                  <a:srgbClr val="A50021"/>
-                </a:solidFill>
-              </a:rPr>
-              <a:t>I må </a:t>
-            </a:r>
-            <a:r>
-              <a:rPr lang="da-DK" sz="1800" b="1" dirty="0" smtClean="0">
-                <a:solidFill>
-                  <a:srgbClr val="008000"/>
-                </a:solidFill>
-              </a:rPr>
-              <a:t>ikke</a:t>
-            </a:r>
-            <a:r>
-              <a:rPr lang="da-DK" sz="1800" b="1" dirty="0" smtClean="0">
-                <a:solidFill>
-                  <a:srgbClr val="A50021"/>
-                </a:solidFill>
-              </a:rPr>
-              <a:t> </a:t>
-            </a:r>
-            <a:r>
-              <a:rPr lang="da-DK" sz="1800" b="1" dirty="0">
-                <a:solidFill>
-                  <a:srgbClr val="A50021"/>
-                </a:solidFill>
-              </a:rPr>
-              <a:t>offentliggøre hele </a:t>
-            </a:r>
-            <a:r>
-              <a:rPr lang="da-DK" sz="1800" b="1" dirty="0" smtClean="0">
-                <a:solidFill>
-                  <a:srgbClr val="A50021"/>
-                </a:solidFill>
-              </a:rPr>
-              <a:t>metoder på webboardet</a:t>
-            </a:r>
-            <a:endParaRPr lang="da-DK" sz="1800" b="1" dirty="0">
-              <a:solidFill>
-                <a:srgbClr val="A50021"/>
-              </a:solidFill>
-            </a:endParaRPr>
-          </a:p>
-          <a:p>
-            <a:pPr marL="742950" lvl="1" indent="-285750">
-              <a:spcBef>
-                <a:spcPts val="600"/>
-              </a:spcBef>
-            </a:pPr>
-            <a:endParaRPr lang="da-DK" sz="1800" dirty="0"/>
-          </a:p>
-        </p:txBody>
-      </p:sp>
-    </p:spTree>
-    <p:extLst>
-      <p:ext uri="{BB962C8B-B14F-4D97-AF65-F5344CB8AC3E}">
-        <p14:creationId xmlns:p14="http://schemas.microsoft.com/office/powerpoint/2010/main" val="656413769"/>
-      </p:ext>
-    </p:extLst>
-  </p:cSld>
-  <p:clrMapOvr>
-    <a:masterClrMapping/>
-  </p:clrMapOvr>
-  <p:timing>
-    <p:tnLst>
-      <p:par>
-        <p:cTn id="1" dur="indefinite" restart="never" nodeType="tmRoot"/>
-      </p:par>
-    </p:tnLst>
-  </p:timing>
-</p:sld>
-</file>
-
-<file path=ppt/slides/slide5.xml><?xml version="1.0" encoding="utf-8"?>
-<p:sld xmlns:a="http://schemas.openxmlformats.org/drawingml/2006/main" xmlns:r="http://schemas.openxmlformats.org/officeDocument/2006/relationships" xmlns:p="http://schemas.openxmlformats.org/presentationml/2006/main">
-  <p:cSld>
-    <p:spTree>
-      <p:nvGrpSpPr>
-        <p:cNvPr id="1" name=""/>
-        <p:cNvGrpSpPr/>
-        <p:nvPr/>
-      </p:nvGrpSpPr>
-      <p:grpSpPr>
-        <a:xfrm>
-          <a:off x="0" y="0"/>
-          <a:ext cx="0" cy="0"/>
-          <a:chOff x="0" y="0"/>
-          <a:chExt cx="0" cy="0"/>
-        </a:xfrm>
-      </p:grpSpPr>
-      <p:sp>
-        <p:nvSpPr>
-          <p:cNvPr id="4" name="Title 1"/>
-          <p:cNvSpPr txBox="1">
-            <a:spLocks/>
-          </p:cNvSpPr>
-          <p:nvPr/>
-        </p:nvSpPr>
-        <p:spPr bwMode="auto">
-          <a:xfrm>
-            <a:off x="480723" y="287035"/>
-            <a:ext cx="8207375" cy="682625"/>
-          </a:xfrm>
-          <a:prstGeom prst="rect">
-            <a:avLst/>
-          </a:prstGeom>
-          <a:noFill/>
-          <a:ln>
-            <a:noFill/>
-          </a:ln>
-          <a:extLst>
-            <a:ext uri="{909E8E84-426E-40DD-AFC4-6F175D3DCCD1}">
-              <a14:hiddenFill xmlns:a14="http://schemas.microsoft.com/office/drawing/2010/main">
-                <a:solidFill>
-                  <a:srgbClr val="FFFFFF"/>
-                </a:solidFill>
-              </a14:hiddenFill>
-            </a:ext>
-            <a:ext uri="{91240B29-F687-4F45-9708-019B960494DF}">
-              <a14:hiddenLine xmlns:a14="http://schemas.microsoft.com/office/drawing/2010/main" w="9525">
-                <a:solidFill>
-                  <a:srgbClr val="000000"/>
-                </a:solidFill>
-                <a:miter lim="800000"/>
-                <a:headEnd/>
-                <a:tailEnd/>
-              </a14:hiddenLine>
-            </a:ext>
-          </a:extLst>
-        </p:spPr>
-        <p:txBody>
-          <a:bodyPr anchor="ctr"/>
-          <a:lstStyle>
-            <a:lvl1pPr algn="l" rtl="0" eaLnBrk="0" fontAlgn="base" hangingPunct="0">
-              <a:spcBef>
-                <a:spcPct val="0"/>
-              </a:spcBef>
-              <a:spcAft>
-                <a:spcPct val="0"/>
-              </a:spcAft>
-              <a:defRPr sz="3600" b="1">
-                <a:solidFill>
-                  <a:srgbClr val="000066"/>
-                </a:solidFill>
-                <a:latin typeface="+mj-lt"/>
-                <a:ea typeface="ＭＳ Ｐゴシック" pitchFamily="-107" charset="-128"/>
-                <a:cs typeface="ＭＳ Ｐゴシック" pitchFamily="-107" charset="-128"/>
-              </a:defRPr>
-            </a:lvl1pPr>
-            <a:lvl2pPr algn="l" rtl="0" eaLnBrk="0" fontAlgn="base" hangingPunct="0">
-              <a:spcBef>
-                <a:spcPct val="0"/>
-              </a:spcBef>
-              <a:spcAft>
-                <a:spcPct val="0"/>
-              </a:spcAft>
-              <a:defRPr sz="3600" b="1">
-                <a:solidFill>
-                  <a:srgbClr val="000066"/>
-                </a:solidFill>
-                <a:latin typeface="Arial" charset="0"/>
-                <a:ea typeface="ＭＳ Ｐゴシック" pitchFamily="-107" charset="-128"/>
-                <a:cs typeface="ＭＳ Ｐゴシック" pitchFamily="-107" charset="-128"/>
-              </a:defRPr>
-            </a:lvl2pPr>
-            <a:lvl3pPr algn="l" rtl="0" eaLnBrk="0" fontAlgn="base" hangingPunct="0">
-              <a:spcBef>
-                <a:spcPct val="0"/>
-              </a:spcBef>
-              <a:spcAft>
-                <a:spcPct val="0"/>
-              </a:spcAft>
-              <a:defRPr sz="3600" b="1">
-                <a:solidFill>
-                  <a:srgbClr val="000066"/>
-                </a:solidFill>
-                <a:latin typeface="Arial" charset="0"/>
-                <a:ea typeface="ＭＳ Ｐゴシック" pitchFamily="-107" charset="-128"/>
-                <a:cs typeface="ＭＳ Ｐゴシック" pitchFamily="-107" charset="-128"/>
-              </a:defRPr>
-            </a:lvl3pPr>
-            <a:lvl4pPr algn="l" rtl="0" eaLnBrk="0" fontAlgn="base" hangingPunct="0">
-              <a:spcBef>
-                <a:spcPct val="0"/>
-              </a:spcBef>
-              <a:spcAft>
-                <a:spcPct val="0"/>
-              </a:spcAft>
-              <a:defRPr sz="3600" b="1">
-                <a:solidFill>
-                  <a:srgbClr val="000066"/>
-                </a:solidFill>
-                <a:latin typeface="Arial" charset="0"/>
-                <a:ea typeface="ＭＳ Ｐゴシック" pitchFamily="-107" charset="-128"/>
-                <a:cs typeface="ＭＳ Ｐゴシック" pitchFamily="-107" charset="-128"/>
-              </a:defRPr>
-            </a:lvl4pPr>
-            <a:lvl5pPr algn="l" rtl="0" eaLnBrk="0" fontAlgn="base" hangingPunct="0">
-              <a:spcBef>
-                <a:spcPct val="0"/>
-              </a:spcBef>
-              <a:spcAft>
-                <a:spcPct val="0"/>
-              </a:spcAft>
-              <a:defRPr sz="3600" b="1">
-                <a:solidFill>
-                  <a:srgbClr val="000066"/>
-                </a:solidFill>
-                <a:latin typeface="Arial" charset="0"/>
-                <a:ea typeface="ＭＳ Ｐゴシック" pitchFamily="-107" charset="-128"/>
-                <a:cs typeface="ＭＳ Ｐゴシック" pitchFamily="-107" charset="-128"/>
-              </a:defRPr>
-            </a:lvl5pPr>
-            <a:lvl6pPr marL="457200" algn="l" rtl="0" fontAlgn="base">
-              <a:spcBef>
-                <a:spcPct val="0"/>
-              </a:spcBef>
-              <a:spcAft>
-                <a:spcPct val="0"/>
-              </a:spcAft>
-              <a:defRPr sz="3600" b="1">
-                <a:solidFill>
-                  <a:srgbClr val="000066"/>
-                </a:solidFill>
-                <a:latin typeface="Arial" charset="0"/>
-              </a:defRPr>
-            </a:lvl6pPr>
-            <a:lvl7pPr marL="914400" algn="l" rtl="0" fontAlgn="base">
-              <a:spcBef>
-                <a:spcPct val="0"/>
-              </a:spcBef>
-              <a:spcAft>
-                <a:spcPct val="0"/>
-              </a:spcAft>
-              <a:defRPr sz="3600" b="1">
-                <a:solidFill>
-                  <a:srgbClr val="000066"/>
-                </a:solidFill>
-                <a:latin typeface="Arial" charset="0"/>
-              </a:defRPr>
-            </a:lvl7pPr>
-            <a:lvl8pPr marL="1371600" algn="l" rtl="0" fontAlgn="base">
-              <a:spcBef>
-                <a:spcPct val="0"/>
-              </a:spcBef>
-              <a:spcAft>
-                <a:spcPct val="0"/>
-              </a:spcAft>
-              <a:defRPr sz="3600" b="1">
-                <a:solidFill>
-                  <a:srgbClr val="000066"/>
-                </a:solidFill>
-                <a:latin typeface="Arial" charset="0"/>
-              </a:defRPr>
-            </a:lvl8pPr>
-            <a:lvl9pPr marL="1828800" algn="l" rtl="0" fontAlgn="base">
-              <a:spcBef>
-                <a:spcPct val="0"/>
-              </a:spcBef>
-              <a:spcAft>
-                <a:spcPct val="0"/>
-              </a:spcAft>
-              <a:defRPr sz="3600" b="1">
-                <a:solidFill>
-                  <a:srgbClr val="000066"/>
-                </a:solidFill>
-                <a:latin typeface="Arial" charset="0"/>
-              </a:defRPr>
-            </a:lvl9pPr>
-          </a:lstStyle>
-          <a:p>
-            <a:pPr>
-              <a:defRPr/>
-            </a:pPr>
-            <a:r>
-              <a:rPr lang="da-DK" sz="2800" dirty="0" smtClean="0"/>
-              <a:t>Brug af testserveren</a:t>
-            </a:r>
-            <a:endParaRPr lang="da-DK" altLang="da-DK" sz="2800" kern="0" dirty="0" smtClean="0">
-              <a:ea typeface="ＭＳ Ｐゴシック" pitchFamily="34" charset="-128"/>
-            </a:endParaRPr>
-          </a:p>
-        </p:txBody>
-      </p:sp>
-      <p:pic>
-        <p:nvPicPr>
-          <p:cNvPr id="5" name="Picture 4"/>
-          <p:cNvPicPr>
-            <a:picLocks noChangeAspect="1"/>
-          </p:cNvPicPr>
-          <p:nvPr/>
-        </p:nvPicPr>
-        <p:blipFill rotWithShape="1">
-          <a:blip r:embed="rId3"/>
-          <a:srcRect r="14179"/>
-          <a:stretch/>
-        </p:blipFill>
-        <p:spPr>
-          <a:xfrm>
-            <a:off x="480722" y="1268760"/>
-            <a:ext cx="8123725" cy="2390775"/>
-          </a:xfrm>
-          <a:prstGeom prst="rect">
-            <a:avLst/>
-          </a:prstGeom>
-        </p:spPr>
-      </p:pic>
-      <p:grpSp>
-        <p:nvGrpSpPr>
-          <p:cNvPr id="9" name="Group 8"/>
-          <p:cNvGrpSpPr/>
-          <p:nvPr/>
-        </p:nvGrpSpPr>
-        <p:grpSpPr>
-          <a:xfrm>
-            <a:off x="506894" y="3958634"/>
-            <a:ext cx="7581900" cy="2062653"/>
-            <a:chOff x="395536" y="3933056"/>
-            <a:chExt cx="7581900" cy="1883066"/>
-          </a:xfrm>
-        </p:grpSpPr>
-        <p:pic>
-          <p:nvPicPr>
-            <p:cNvPr id="6" name="Picture 5"/>
-            <p:cNvPicPr>
-              <a:picLocks noChangeAspect="1"/>
-            </p:cNvPicPr>
-            <p:nvPr/>
-          </p:nvPicPr>
-          <p:blipFill>
-            <a:blip r:embed="rId4"/>
-            <a:stretch>
-              <a:fillRect/>
-            </a:stretch>
-          </p:blipFill>
-          <p:spPr>
-            <a:xfrm>
-              <a:off x="395536" y="3933056"/>
-              <a:ext cx="7581900" cy="1883066"/>
-            </a:xfrm>
-            <a:prstGeom prst="rect">
-              <a:avLst/>
-            </a:prstGeom>
-          </p:spPr>
-        </p:pic>
-        <p:sp>
-          <p:nvSpPr>
-            <p:cNvPr id="7" name="Rectangle 6"/>
-            <p:cNvSpPr/>
-            <p:nvPr/>
-          </p:nvSpPr>
-          <p:spPr bwMode="auto">
-            <a:xfrm>
-              <a:off x="1710216" y="3960469"/>
-              <a:ext cx="2177897" cy="288032"/>
-            </a:xfrm>
-            <a:prstGeom prst="rect">
-              <a:avLst/>
-            </a:prstGeom>
-            <a:ln>
-              <a:headEnd type="none" w="med" len="med"/>
-              <a:tailEnd type="none" w="med" len="med"/>
-            </a:ln>
-            <a:extLst/>
-          </p:spPr>
-          <p:style>
-            <a:lnRef idx="2">
-              <a:schemeClr val="accent3"/>
-            </a:lnRef>
-            <a:fillRef idx="1">
-              <a:schemeClr val="lt1"/>
-            </a:fillRef>
-            <a:effectRef idx="0">
-              <a:schemeClr val="accent3"/>
-            </a:effectRef>
-            <a:fontRef idx="minor">
-              <a:schemeClr val="dk1"/>
-            </a:fontRef>
-          </p:style>
-          <p:txBody>
-            <a:bodyPr vert="horz" wrap="square" lIns="91440" tIns="45720" rIns="91440" bIns="45720" numCol="1" rtlCol="0" anchor="t" anchorCtr="0" compatLnSpc="1">
-              <a:prstTxWarp prst="textNoShape">
-                <a:avLst/>
-              </a:prstTxWarp>
-              <a:spAutoFit/>
-            </a:bodyPr>
-            <a:lstStyle/>
-            <a:p>
-              <a:pPr marL="0" marR="0" indent="0" algn="l" defTabSz="914400" rtl="0" eaLnBrk="1" fontAlgn="base" latinLnBrk="0" hangingPunct="1">
-                <a:lnSpc>
-                  <a:spcPct val="100000"/>
-                </a:lnSpc>
-                <a:spcBef>
-                  <a:spcPct val="0"/>
-                </a:spcBef>
-                <a:spcAft>
-                  <a:spcPct val="0"/>
-                </a:spcAft>
-                <a:buClrTx/>
-                <a:buSzTx/>
-                <a:buFontTx/>
-                <a:buNone/>
-                <a:tabLst/>
-              </a:pPr>
-              <a:endParaRPr kumimoji="0" lang="da-DK" sz="2400" b="0" i="0" u="none" strike="noStrike" cap="none" normalizeH="0" baseline="0">
-                <a:ln>
-                  <a:noFill/>
-                </a:ln>
-                <a:solidFill>
-                  <a:srgbClr val="000000"/>
-                </a:solidFill>
-                <a:effectLst/>
-                <a:latin typeface="Arial" charset="0"/>
-                <a:ea typeface="ＭＳ Ｐゴシック" charset="0"/>
-              </a:endParaRPr>
-            </a:p>
-          </p:txBody>
-        </p:sp>
-      </p:grpSp>
-    </p:spTree>
-    <p:extLst>
-      <p:ext uri="{BB962C8B-B14F-4D97-AF65-F5344CB8AC3E}">
-        <p14:creationId xmlns:p14="http://schemas.microsoft.com/office/powerpoint/2010/main" val="4183349094"/>
-      </p:ext>
-    </p:extLst>
-  </p:cSld>
-  <p:clrMapOvr>
-    <a:masterClrMapping/>
-  </p:clrMapOvr>
-  <p:timing>
-    <p:tnLst>
-      <p:par>
-        <p:cTn id="1" dur="indefinite" restart="never" nodeType="tmRoot"/>
-      </p:par>
-    </p:tnLst>
-  </p:timing>
-</p:sld>
-</file>
-
-<file path=ppt/slides/slide6.xml><?xml version="1.0" encoding="utf-8"?>
-<p:sld xmlns:a="http://schemas.openxmlformats.org/drawingml/2006/main" xmlns:r="http://schemas.openxmlformats.org/officeDocument/2006/relationships" xmlns:p="http://schemas.openxmlformats.org/presentationml/2006/main">
-  <p:cSld>
-    <p:spTree>
-      <p:nvGrpSpPr>
-        <p:cNvPr id="1" name=""/>
-        <p:cNvGrpSpPr/>
-        <p:nvPr/>
-      </p:nvGrpSpPr>
-      <p:grpSpPr>
-        <a:xfrm>
-          <a:off x="0" y="0"/>
-          <a:ext cx="0" cy="0"/>
-          <a:chOff x="0" y="0"/>
-          <a:chExt cx="0" cy="0"/>
-        </a:xfrm>
-      </p:grpSpPr>
-      <p:sp>
-        <p:nvSpPr>
-          <p:cNvPr id="4" name="Title 1"/>
-          <p:cNvSpPr txBox="1">
-            <a:spLocks/>
-          </p:cNvSpPr>
-          <p:nvPr/>
-        </p:nvSpPr>
-        <p:spPr bwMode="auto">
-          <a:xfrm>
             <a:off x="459225" y="260349"/>
             <a:ext cx="8793295" cy="682625"/>
           </a:xfrm>
@@ -8330,7 +6608,7 @@
             <a:pPr marL="271463" indent="-271463"/>
             <a:r>
               <a:rPr lang="da-DK" altLang="da-DK" sz="2800" dirty="0" smtClean="0"/>
-              <a:t>Mulighed for hjælp mellem seminarerne</a:t>
+              <a:t>Er der ting I gerne vil have ændret?</a:t>
             </a:r>
             <a:endParaRPr lang="da-DK" altLang="da-DK" sz="2800" dirty="0"/>
           </a:p>
@@ -8347,7 +6625,7 @@
         <p:spPr bwMode="auto">
           <a:xfrm>
             <a:off x="611560" y="1052736"/>
-            <a:ext cx="8352928" cy="4392488"/>
+            <a:ext cx="8424936" cy="4752528"/>
           </a:xfrm>
           <a:prstGeom prst="rect">
             <a:avLst/>
@@ -8510,6 +6788,44 @@
             </a:lvl9pPr>
           </a:lstStyle>
           <a:p>
+            <a:pPr marL="285750" lvl="1" indent="-285750">
+              <a:spcBef>
+                <a:spcPts val="1800"/>
+              </a:spcBef>
+              <a:buChar char="•"/>
+            </a:pPr>
+            <a:r>
+              <a:rPr lang="da-DK" sz="1800" b="1" spc="-50" dirty="0">
+                <a:solidFill>
+                  <a:srgbClr val="A50021"/>
+                </a:solidFill>
+              </a:rPr>
+              <a:t>Har I forslag til forbedringer eller ting, som I gerne vil have gjort anderledes?</a:t>
+            </a:r>
+          </a:p>
+          <a:p>
+            <a:pPr marL="742950" lvl="1" indent="-285750">
+              <a:spcBef>
+                <a:spcPts val="600"/>
+              </a:spcBef>
+            </a:pPr>
+            <a:r>
+              <a:rPr lang="da-DK" sz="1600" dirty="0"/>
+              <a:t>Det er nu, I skal komme op med de ting der irriterer og generer jer</a:t>
+            </a:r>
+          </a:p>
+          <a:p>
+            <a:pPr marL="742950" lvl="1" indent="-285750">
+              <a:spcBef>
+                <a:spcPts val="600"/>
+              </a:spcBef>
+            </a:pPr>
+            <a:r>
+              <a:rPr lang="da-DK" sz="1600" dirty="0"/>
+              <a:t>Ellers fortsætter vi i "samme spor" som hidtil</a:t>
+            </a:r>
+          </a:p>
+          <a:p>
             <a:pPr marL="271463" lvl="1" indent="-271463">
               <a:spcBef>
                 <a:spcPts val="1800"/>
@@ -8523,7 +6839,7 @@
                   <a:srgbClr val="A50021"/>
                 </a:solidFill>
               </a:rPr>
-              <a:t>Fra og med seminar 5 bliver afleveringsopgaverne noget større og dermed lidt vanskeligere (til gengæld er der kun en opgave om ugen)</a:t>
+              <a:t>Om et øjeblik begynder jeg på dagens første forelæsning</a:t>
             </a:r>
           </a:p>
           <a:p>
@@ -8531,11 +6847,14 @@
               <a:spcBef>
                 <a:spcPts val="600"/>
               </a:spcBef>
+              <a:buFontTx/>
+              <a:buChar char="–"/>
             </a:pPr>
             <a:r>
               <a:rPr lang="da-DK" altLang="da-DK" sz="1600" dirty="0" smtClean="0"/>
-              <a:t>I kan selvfølgelig stadig få hjælp via webboardet</a:t>
-            </a:r>
+              <a:t>Dem der er med via Zoom må ”råbe op”, hvis de har spørgsmål undervejs</a:t>
+            </a:r>
+            <a:endParaRPr lang="da-DK" altLang="da-DK" sz="1600" dirty="0"/>
           </a:p>
           <a:p>
             <a:pPr marL="742950" lvl="1" indent="-285750">
@@ -8544,21 +6863,21 @@
               </a:spcBef>
             </a:pPr>
             <a:r>
+              <a:rPr lang="da-DK" altLang="da-DK" sz="1600" dirty="0"/>
+              <a:t>Jeg vil også forsøge at huske (med jævne mellemrum) at spørge, om der er </a:t>
+            </a:r>
+            <a:r>
               <a:rPr lang="da-DK" altLang="da-DK" sz="1600" dirty="0" smtClean="0"/>
-              <a:t>Men herudover vil der, hver fredag eftermiddag kl 15-17, være en ”studiecafé”, hvor I via Zoom kan få hjælp fra en af instruktorerne</a:t>
-            </a:r>
-          </a:p>
-          <a:p>
-            <a:pPr marL="742950" lvl="1" indent="-285750">
-              <a:spcBef>
-                <a:spcPts val="600"/>
-              </a:spcBef>
-            </a:pPr>
+              <a:t>nogen, </a:t>
+            </a:r>
+            <a:r>
+              <a:rPr lang="da-DK" altLang="da-DK" sz="1600" dirty="0"/>
+              <a:t>som har </a:t>
+            </a:r>
             <a:r>
               <a:rPr lang="da-DK" altLang="da-DK" sz="1600" dirty="0" smtClean="0"/>
-              <a:t>Man deltager via det sædvanlige link på siden ”Zoom link til seminarer”</a:t>
-            </a:r>
-            <a:endParaRPr lang="da-DK" altLang="da-DK" sz="1600" spc="-40" dirty="0" smtClean="0"/>
+              <a:t>spørgsmål</a:t>
+            </a:r>
           </a:p>
           <a:p>
             <a:pPr marL="271463" lvl="1" indent="-271463">
@@ -8574,497 +6893,7 @@
                   <a:srgbClr val="A50021"/>
                 </a:solidFill>
               </a:rPr>
-              <a:t>I kan også bruge Studiecaféen </a:t>
-            </a:r>
-            <a:r>
-              <a:rPr lang="da-DK" altLang="da-DK" sz="1800" b="1" spc="-40" dirty="0">
-                <a:solidFill>
-                  <a:srgbClr val="A50021"/>
-                </a:solidFill>
-              </a:rPr>
-              <a:t>til at stille spørgsmål omkring</a:t>
-            </a:r>
-          </a:p>
-          <a:p>
-            <a:pPr marL="742950" lvl="1" indent="-285750">
-              <a:spcBef>
-                <a:spcPts val="600"/>
-              </a:spcBef>
-            </a:pPr>
-            <a:r>
-              <a:rPr lang="da-DK" altLang="da-DK" sz="1600" dirty="0"/>
-              <a:t>jeres tidligere afleveringer (og instruktorens kommentarerne til dem)</a:t>
-            </a:r>
-          </a:p>
-          <a:p>
-            <a:pPr marL="742950" lvl="1" indent="-285750">
-              <a:spcBef>
-                <a:spcPts val="600"/>
-              </a:spcBef>
-            </a:pPr>
-            <a:r>
-              <a:rPr lang="da-DK" altLang="da-DK" sz="1600" dirty="0" err="1"/>
-              <a:t>BlueJ</a:t>
-            </a:r>
-            <a:r>
-              <a:rPr lang="da-DK" altLang="da-DK" sz="1600" dirty="0"/>
-              <a:t> bogen og mine slides</a:t>
-            </a:r>
-          </a:p>
-          <a:p>
-            <a:pPr marL="742950" lvl="1" indent="-285750">
-              <a:spcBef>
-                <a:spcPts val="600"/>
-              </a:spcBef>
-            </a:pPr>
-            <a:r>
-              <a:rPr lang="da-DK" altLang="da-DK" sz="1600" dirty="0"/>
-              <a:t>alt andet, som I har problemer </a:t>
-            </a:r>
-            <a:r>
-              <a:rPr lang="da-DK" altLang="da-DK" sz="1600" dirty="0" smtClean="0"/>
-              <a:t>med</a:t>
-            </a:r>
-            <a:endParaRPr lang="da-DK" altLang="da-DK" sz="1600" dirty="0"/>
-          </a:p>
-        </p:txBody>
-      </p:sp>
-    </p:spTree>
-    <p:extLst>
-      <p:ext uri="{BB962C8B-B14F-4D97-AF65-F5344CB8AC3E}">
-        <p14:creationId xmlns:p14="http://schemas.microsoft.com/office/powerpoint/2010/main" val="239744111"/>
-      </p:ext>
-    </p:extLst>
-  </p:cSld>
-  <p:clrMapOvr>
-    <a:masterClrMapping/>
-  </p:clrMapOvr>
-  <p:timing>
-    <p:tnLst>
-      <p:par>
-        <p:cTn id="1" dur="indefinite" restart="never" nodeType="tmRoot"/>
-      </p:par>
-    </p:tnLst>
-  </p:timing>
-</p:sld>
-</file>
-
-<file path=ppt/slides/slide7.xml><?xml version="1.0" encoding="utf-8"?>
-<p:sld xmlns:a="http://schemas.openxmlformats.org/drawingml/2006/main" xmlns:r="http://schemas.openxmlformats.org/officeDocument/2006/relationships" xmlns:p="http://schemas.openxmlformats.org/presentationml/2006/main">
-  <p:cSld>
-    <p:spTree>
-      <p:nvGrpSpPr>
-        <p:cNvPr id="1" name=""/>
-        <p:cNvGrpSpPr/>
-        <p:nvPr/>
-      </p:nvGrpSpPr>
-      <p:grpSpPr>
-        <a:xfrm>
-          <a:off x="0" y="0"/>
-          <a:ext cx="0" cy="0"/>
-          <a:chOff x="0" y="0"/>
-          <a:chExt cx="0" cy="0"/>
-        </a:xfrm>
-      </p:grpSpPr>
-      <p:sp>
-        <p:nvSpPr>
-          <p:cNvPr id="4" name="Title 1"/>
-          <p:cNvSpPr txBox="1">
-            <a:spLocks/>
-          </p:cNvSpPr>
-          <p:nvPr/>
-        </p:nvSpPr>
-        <p:spPr bwMode="auto">
-          <a:xfrm>
-            <a:off x="459225" y="260349"/>
-            <a:ext cx="8793295" cy="682625"/>
-          </a:xfrm>
-          <a:prstGeom prst="rect">
-            <a:avLst/>
-          </a:prstGeom>
-          <a:noFill/>
-          <a:ln>
-            <a:noFill/>
-          </a:ln>
-          <a:extLst>
-            <a:ext uri="{909E8E84-426E-40DD-AFC4-6F175D3DCCD1}">
-              <a14:hiddenFill xmlns:a14="http://schemas.microsoft.com/office/drawing/2010/main">
-                <a:solidFill>
-                  <a:srgbClr val="FFFFFF"/>
-                </a:solidFill>
-              </a14:hiddenFill>
-            </a:ext>
-            <a:ext uri="{91240B29-F687-4F45-9708-019B960494DF}">
-              <a14:hiddenLine xmlns:a14="http://schemas.microsoft.com/office/drawing/2010/main" w="9525">
-                <a:solidFill>
-                  <a:srgbClr val="000000"/>
-                </a:solidFill>
-                <a:miter lim="800000"/>
-                <a:headEnd/>
-                <a:tailEnd/>
-              </a14:hiddenLine>
-            </a:ext>
-          </a:extLst>
-        </p:spPr>
-        <p:txBody>
-          <a:bodyPr anchor="ctr"/>
-          <a:lstStyle>
-            <a:lvl1pPr algn="l" rtl="0" eaLnBrk="0" fontAlgn="base" hangingPunct="0">
-              <a:spcBef>
-                <a:spcPct val="0"/>
-              </a:spcBef>
-              <a:spcAft>
-                <a:spcPct val="0"/>
-              </a:spcAft>
-              <a:defRPr sz="3600" b="1">
-                <a:solidFill>
-                  <a:srgbClr val="000066"/>
-                </a:solidFill>
-                <a:latin typeface="+mj-lt"/>
-                <a:ea typeface="ＭＳ Ｐゴシック" pitchFamily="-107" charset="-128"/>
-                <a:cs typeface="ＭＳ Ｐゴシック" pitchFamily="-107" charset="-128"/>
-              </a:defRPr>
-            </a:lvl1pPr>
-            <a:lvl2pPr algn="l" rtl="0" eaLnBrk="0" fontAlgn="base" hangingPunct="0">
-              <a:spcBef>
-                <a:spcPct val="0"/>
-              </a:spcBef>
-              <a:spcAft>
-                <a:spcPct val="0"/>
-              </a:spcAft>
-              <a:defRPr sz="3600" b="1">
-                <a:solidFill>
-                  <a:srgbClr val="000066"/>
-                </a:solidFill>
-                <a:latin typeface="Arial" charset="0"/>
-                <a:ea typeface="ＭＳ Ｐゴシック" pitchFamily="-107" charset="-128"/>
-                <a:cs typeface="ＭＳ Ｐゴシック" pitchFamily="-107" charset="-128"/>
-              </a:defRPr>
-            </a:lvl2pPr>
-            <a:lvl3pPr algn="l" rtl="0" eaLnBrk="0" fontAlgn="base" hangingPunct="0">
-              <a:spcBef>
-                <a:spcPct val="0"/>
-              </a:spcBef>
-              <a:spcAft>
-                <a:spcPct val="0"/>
-              </a:spcAft>
-              <a:defRPr sz="3600" b="1">
-                <a:solidFill>
-                  <a:srgbClr val="000066"/>
-                </a:solidFill>
-                <a:latin typeface="Arial" charset="0"/>
-                <a:ea typeface="ＭＳ Ｐゴシック" pitchFamily="-107" charset="-128"/>
-                <a:cs typeface="ＭＳ Ｐゴシック" pitchFamily="-107" charset="-128"/>
-              </a:defRPr>
-            </a:lvl3pPr>
-            <a:lvl4pPr algn="l" rtl="0" eaLnBrk="0" fontAlgn="base" hangingPunct="0">
-              <a:spcBef>
-                <a:spcPct val="0"/>
-              </a:spcBef>
-              <a:spcAft>
-                <a:spcPct val="0"/>
-              </a:spcAft>
-              <a:defRPr sz="3600" b="1">
-                <a:solidFill>
-                  <a:srgbClr val="000066"/>
-                </a:solidFill>
-                <a:latin typeface="Arial" charset="0"/>
-                <a:ea typeface="ＭＳ Ｐゴシック" pitchFamily="-107" charset="-128"/>
-                <a:cs typeface="ＭＳ Ｐゴシック" pitchFamily="-107" charset="-128"/>
-              </a:defRPr>
-            </a:lvl4pPr>
-            <a:lvl5pPr algn="l" rtl="0" eaLnBrk="0" fontAlgn="base" hangingPunct="0">
-              <a:spcBef>
-                <a:spcPct val="0"/>
-              </a:spcBef>
-              <a:spcAft>
-                <a:spcPct val="0"/>
-              </a:spcAft>
-              <a:defRPr sz="3600" b="1">
-                <a:solidFill>
-                  <a:srgbClr val="000066"/>
-                </a:solidFill>
-                <a:latin typeface="Arial" charset="0"/>
-                <a:ea typeface="ＭＳ Ｐゴシック" pitchFamily="-107" charset="-128"/>
-                <a:cs typeface="ＭＳ Ｐゴシック" pitchFamily="-107" charset="-128"/>
-              </a:defRPr>
-            </a:lvl5pPr>
-            <a:lvl6pPr marL="457200" algn="l" rtl="0" fontAlgn="base">
-              <a:spcBef>
-                <a:spcPct val="0"/>
-              </a:spcBef>
-              <a:spcAft>
-                <a:spcPct val="0"/>
-              </a:spcAft>
-              <a:defRPr sz="3600" b="1">
-                <a:solidFill>
-                  <a:srgbClr val="000066"/>
-                </a:solidFill>
-                <a:latin typeface="Arial" charset="0"/>
-              </a:defRPr>
-            </a:lvl6pPr>
-            <a:lvl7pPr marL="914400" algn="l" rtl="0" fontAlgn="base">
-              <a:spcBef>
-                <a:spcPct val="0"/>
-              </a:spcBef>
-              <a:spcAft>
-                <a:spcPct val="0"/>
-              </a:spcAft>
-              <a:defRPr sz="3600" b="1">
-                <a:solidFill>
-                  <a:srgbClr val="000066"/>
-                </a:solidFill>
-                <a:latin typeface="Arial" charset="0"/>
-              </a:defRPr>
-            </a:lvl7pPr>
-            <a:lvl8pPr marL="1371600" algn="l" rtl="0" fontAlgn="base">
-              <a:spcBef>
-                <a:spcPct val="0"/>
-              </a:spcBef>
-              <a:spcAft>
-                <a:spcPct val="0"/>
-              </a:spcAft>
-              <a:defRPr sz="3600" b="1">
-                <a:solidFill>
-                  <a:srgbClr val="000066"/>
-                </a:solidFill>
-                <a:latin typeface="Arial" charset="0"/>
-              </a:defRPr>
-            </a:lvl8pPr>
-            <a:lvl9pPr marL="1828800" algn="l" rtl="0" fontAlgn="base">
-              <a:spcBef>
-                <a:spcPct val="0"/>
-              </a:spcBef>
-              <a:spcAft>
-                <a:spcPct val="0"/>
-              </a:spcAft>
-              <a:defRPr sz="3600" b="1">
-                <a:solidFill>
-                  <a:srgbClr val="000066"/>
-                </a:solidFill>
-                <a:latin typeface="Arial" charset="0"/>
-              </a:defRPr>
-            </a:lvl9pPr>
-          </a:lstStyle>
-          <a:p>
-            <a:pPr marL="271463" indent="-271463"/>
-            <a:r>
-              <a:rPr lang="da-DK" altLang="da-DK" sz="2800" dirty="0" smtClean="0"/>
-              <a:t>Er der ting, som I gerne vil have ændret?</a:t>
-            </a:r>
-            <a:endParaRPr lang="da-DK" altLang="da-DK" sz="2800" dirty="0"/>
-          </a:p>
-        </p:txBody>
-      </p:sp>
-      <p:sp>
-        <p:nvSpPr>
-          <p:cNvPr id="8" name="Content Placeholder 2"/>
-          <p:cNvSpPr txBox="1">
-            <a:spLocks/>
-          </p:cNvSpPr>
-          <p:nvPr/>
-        </p:nvSpPr>
-        <p:spPr bwMode="auto">
-          <a:xfrm>
-            <a:off x="611560" y="1052736"/>
-            <a:ext cx="8352928" cy="3672408"/>
-          </a:xfrm>
-          <a:prstGeom prst="rect">
-            <a:avLst/>
-          </a:prstGeom>
-          <a:noFill/>
-          <a:ln>
-            <a:noFill/>
-          </a:ln>
-          <a:extLst>
-            <a:ext uri="{909E8E84-426E-40DD-AFC4-6F175D3DCCD1}">
-              <a14:hiddenFill xmlns:a14="http://schemas.microsoft.com/office/drawing/2010/main">
-                <a:solidFill>
-                  <a:srgbClr val="FFFFFF"/>
-                </a:solidFill>
-              </a14:hiddenFill>
-            </a:ext>
-            <a:ext uri="{91240B29-F687-4F45-9708-019B960494DF}">
-              <a14:hiddenLine xmlns:a14="http://schemas.microsoft.com/office/drawing/2010/main" w="9525">
-                <a:solidFill>
-                  <a:srgbClr val="000000"/>
-                </a:solidFill>
-                <a:miter lim="800000"/>
-                <a:headEnd/>
-                <a:tailEnd/>
-              </a14:hiddenLine>
-            </a:ext>
-          </a:extLst>
-        </p:spPr>
-        <p:txBody>
-          <a:bodyPr/>
-          <a:lstStyle>
-            <a:lvl1pPr eaLnBrk="0" hangingPunct="0">
-              <a:spcBef>
-                <a:spcPct val="20000"/>
-              </a:spcBef>
-              <a:buChar char="•"/>
-              <a:defRPr sz="2400" b="1">
-                <a:solidFill>
-                  <a:srgbClr val="A50021"/>
-                </a:solidFill>
-                <a:latin typeface="Arial" pitchFamily="34" charset="0"/>
-                <a:ea typeface="ＭＳ Ｐゴシック" pitchFamily="34" charset="-128"/>
-              </a:defRPr>
-            </a:lvl1pPr>
-            <a:lvl2pPr eaLnBrk="0" hangingPunct="0">
-              <a:spcBef>
-                <a:spcPct val="20000"/>
-              </a:spcBef>
-              <a:buChar char="–"/>
-              <a:defRPr sz="2000">
-                <a:solidFill>
-                  <a:srgbClr val="000066"/>
-                </a:solidFill>
-                <a:latin typeface="Arial" pitchFamily="34" charset="0"/>
-                <a:ea typeface="ＭＳ Ｐゴシック" pitchFamily="34" charset="-128"/>
-              </a:defRPr>
-            </a:lvl2pPr>
-            <a:lvl3pPr eaLnBrk="0" hangingPunct="0">
-              <a:spcBef>
-                <a:spcPct val="20000"/>
-              </a:spcBef>
-              <a:buChar char="•"/>
-              <a:defRPr sz="1600">
-                <a:solidFill>
-                  <a:schemeClr val="tx1"/>
-                </a:solidFill>
-                <a:latin typeface="Arial" pitchFamily="34" charset="0"/>
-                <a:ea typeface="ＭＳ Ｐゴシック" pitchFamily="34" charset="-128"/>
-              </a:defRPr>
-            </a:lvl3pPr>
-            <a:lvl4pPr eaLnBrk="0" hangingPunct="0">
-              <a:spcBef>
-                <a:spcPct val="20000"/>
-              </a:spcBef>
-              <a:buChar char="–"/>
-              <a:defRPr sz="1600">
-                <a:solidFill>
-                  <a:schemeClr val="tx1"/>
-                </a:solidFill>
-                <a:latin typeface="Times New Roman" pitchFamily="18" charset="0"/>
-                <a:ea typeface="ＭＳ Ｐゴシック" pitchFamily="34" charset="-128"/>
-              </a:defRPr>
-            </a:lvl4pPr>
-            <a:lvl5pPr eaLnBrk="0" hangingPunct="0">
-              <a:spcBef>
-                <a:spcPct val="20000"/>
-              </a:spcBef>
-              <a:buChar char="»"/>
-              <a:defRPr sz="1200">
-                <a:solidFill>
-                  <a:schemeClr val="tx1"/>
-                </a:solidFill>
-                <a:latin typeface="Times New Roman" pitchFamily="18" charset="0"/>
-                <a:ea typeface="ＭＳ Ｐゴシック" pitchFamily="34" charset="-128"/>
-              </a:defRPr>
-            </a:lvl5pPr>
-            <a:lvl6pPr eaLnBrk="0" fontAlgn="base" hangingPunct="0">
-              <a:spcBef>
-                <a:spcPct val="20000"/>
-              </a:spcBef>
-              <a:spcAft>
-                <a:spcPct val="0"/>
-              </a:spcAft>
-              <a:buChar char="»"/>
-              <a:defRPr sz="1200">
-                <a:solidFill>
-                  <a:schemeClr val="tx1"/>
-                </a:solidFill>
-                <a:latin typeface="Times New Roman" pitchFamily="18" charset="0"/>
-                <a:ea typeface="ＭＳ Ｐゴシック" pitchFamily="34" charset="-128"/>
-              </a:defRPr>
-            </a:lvl6pPr>
-            <a:lvl7pPr eaLnBrk="0" fontAlgn="base" hangingPunct="0">
-              <a:spcBef>
-                <a:spcPct val="20000"/>
-              </a:spcBef>
-              <a:spcAft>
-                <a:spcPct val="0"/>
-              </a:spcAft>
-              <a:buChar char="»"/>
-              <a:defRPr sz="1200">
-                <a:solidFill>
-                  <a:schemeClr val="tx1"/>
-                </a:solidFill>
-                <a:latin typeface="Times New Roman" pitchFamily="18" charset="0"/>
-                <a:ea typeface="ＭＳ Ｐゴシック" pitchFamily="34" charset="-128"/>
-              </a:defRPr>
-            </a:lvl7pPr>
-            <a:lvl8pPr eaLnBrk="0" fontAlgn="base" hangingPunct="0">
-              <a:spcBef>
-                <a:spcPct val="20000"/>
-              </a:spcBef>
-              <a:spcAft>
-                <a:spcPct val="0"/>
-              </a:spcAft>
-              <a:buChar char="»"/>
-              <a:defRPr sz="1200">
-                <a:solidFill>
-                  <a:schemeClr val="tx1"/>
-                </a:solidFill>
-                <a:latin typeface="Times New Roman" pitchFamily="18" charset="0"/>
-                <a:ea typeface="ＭＳ Ｐゴシック" pitchFamily="34" charset="-128"/>
-              </a:defRPr>
-            </a:lvl8pPr>
-            <a:lvl9pPr eaLnBrk="0" fontAlgn="base" hangingPunct="0">
-              <a:spcBef>
-                <a:spcPct val="20000"/>
-              </a:spcBef>
-              <a:spcAft>
-                <a:spcPct val="0"/>
-              </a:spcAft>
-              <a:buChar char="»"/>
-              <a:defRPr sz="1200">
-                <a:solidFill>
-                  <a:schemeClr val="tx1"/>
-                </a:solidFill>
-                <a:latin typeface="Times New Roman" pitchFamily="18" charset="0"/>
-                <a:ea typeface="ＭＳ Ｐゴシック" pitchFamily="34" charset="-128"/>
-              </a:defRPr>
-            </a:lvl9pPr>
-          </a:lstStyle>
-          <a:p>
-            <a:pPr marL="285750" lvl="1" indent="-285750">
-              <a:spcBef>
-                <a:spcPts val="1800"/>
-              </a:spcBef>
-              <a:buChar char="•"/>
-            </a:pPr>
-            <a:r>
-              <a:rPr lang="da-DK" sz="1800" b="1" dirty="0">
-                <a:solidFill>
-                  <a:srgbClr val="A50021"/>
-                </a:solidFill>
-              </a:rPr>
-              <a:t>Har I forslag til forbedringer eller ting, som I gerne vil have gjort anderledes?</a:t>
-            </a:r>
-          </a:p>
-          <a:p>
-            <a:pPr marL="742950" lvl="1" indent="-285750">
-              <a:spcBef>
-                <a:spcPts val="600"/>
-              </a:spcBef>
-            </a:pPr>
-            <a:r>
-              <a:rPr lang="da-DK" sz="1800" dirty="0"/>
-              <a:t>Det er nu, I skal komme op med de ting der irriterer og generer jer</a:t>
-            </a:r>
-          </a:p>
-          <a:p>
-            <a:pPr marL="742950" lvl="1" indent="-285750">
-              <a:spcBef>
-                <a:spcPts val="600"/>
-              </a:spcBef>
-            </a:pPr>
-            <a:r>
-              <a:rPr lang="da-DK" sz="1800" dirty="0"/>
-              <a:t>Ellers fortsætter vi i "samme spor" som hidtil</a:t>
+              <a:t>Øvelserne starter ca. 11.30</a:t>
             </a:r>
           </a:p>
           <a:p>
@@ -9081,7 +6910,15 @@
                   <a:srgbClr val="A50021"/>
                 </a:solidFill>
               </a:rPr>
-              <a:t>Om et øjeblik begynder jeg på dagens første forelæsning</a:t>
+              <a:t>Næste </a:t>
+            </a:r>
+            <a:r>
+              <a:rPr lang="da-DK" altLang="da-DK" sz="1800" b="1" spc="-40" dirty="0">
+                <a:solidFill>
+                  <a:srgbClr val="A50021"/>
+                </a:solidFill>
+              </a:rPr>
+              <a:t>forelæsning starter kl. 13.30</a:t>
             </a:r>
           </a:p>
           <a:p>
@@ -9089,13 +6926,52 @@
               <a:spcBef>
                 <a:spcPts val="600"/>
               </a:spcBef>
+            </a:pPr>
+            <a:r>
+              <a:rPr lang="da-DK" altLang="da-DK" sz="1600" dirty="0"/>
+              <a:t>Inden da er der frokost (her i lokalet)</a:t>
+            </a:r>
+          </a:p>
+          <a:p>
+            <a:pPr marL="742950" lvl="1" indent="-285750">
+              <a:spcBef>
+                <a:spcPts val="600"/>
+              </a:spcBef>
+            </a:pPr>
+            <a:r>
+              <a:rPr lang="da-DK" altLang="da-DK" sz="1600" dirty="0"/>
+              <a:t>Afsæt eventuelt også tid til en kort gåtur</a:t>
+            </a:r>
+          </a:p>
+          <a:p>
+            <a:pPr marL="271463" lvl="1" indent="-271463">
+              <a:spcBef>
+                <a:spcPts val="1800"/>
+              </a:spcBef>
               <a:buFontTx/>
-              <a:buChar char="–"/>
+              <a:buChar char="•"/>
             </a:pPr>
             <a:r>
-              <a:rPr lang="da-DK" altLang="da-DK" sz="1600" dirty="0" smtClean="0"/>
-              <a:t>Slå jeres video og audio fra under forelæsningen (for at mindske belastningen på min maskine)</a:t>
-            </a:r>
+              <a:rPr lang="da-DK" altLang="da-DK" sz="1800" b="1" spc="-40" dirty="0">
+                <a:solidFill>
+                  <a:srgbClr val="A50021"/>
+                </a:solidFill>
+              </a:rPr>
+              <a:t>Er der nogen, der har spørgsmål, inden vi går i </a:t>
+            </a:r>
+            <a:r>
+              <a:rPr lang="da-DK" altLang="da-DK" sz="1800" b="1" spc="-40" dirty="0" smtClean="0">
+                <a:solidFill>
+                  <a:srgbClr val="A50021"/>
+                </a:solidFill>
+              </a:rPr>
+              <a:t>gang?</a:t>
+            </a:r>
+            <a:endParaRPr lang="da-DK" altLang="da-DK" sz="1800" b="1" spc="-40" dirty="0">
+              <a:solidFill>
+                <a:srgbClr val="A50021"/>
+              </a:solidFill>
+            </a:endParaRPr>
           </a:p>
           <a:p>
             <a:pPr marL="742950" lvl="1" indent="-285750">
@@ -9103,72 +6979,7 @@
                 <a:spcPts val="600"/>
               </a:spcBef>
             </a:pPr>
-            <a:r>
-              <a:rPr lang="da-DK" altLang="da-DK" sz="1600" dirty="0"/>
-              <a:t>Hvis I har spørgsmål undervejs, så ”råb op” (husk at slå jeres mikrofon til først)</a:t>
-            </a:r>
-          </a:p>
-          <a:p>
-            <a:pPr marL="742950" lvl="1" indent="-285750">
-              <a:spcBef>
-                <a:spcPts val="600"/>
-              </a:spcBef>
-            </a:pPr>
-            <a:r>
-              <a:rPr lang="da-DK" altLang="da-DK" sz="1600" dirty="0" smtClean="0"/>
-              <a:t>Jeg </a:t>
-            </a:r>
-            <a:r>
-              <a:rPr lang="da-DK" altLang="da-DK" sz="1600" dirty="0"/>
-              <a:t>vil </a:t>
-            </a:r>
-            <a:r>
-              <a:rPr lang="da-DK" altLang="da-DK" sz="1600" dirty="0" smtClean="0"/>
-              <a:t>forsøge </a:t>
-            </a:r>
-            <a:r>
-              <a:rPr lang="da-DK" altLang="da-DK" sz="1600" dirty="0"/>
-              <a:t>at huske (med jævne mellemrum) at spørge, om der er nogle, som har spørgsmål</a:t>
-            </a:r>
-          </a:p>
-          <a:p>
-            <a:pPr marL="742950" lvl="1" indent="-285750">
-              <a:spcBef>
-                <a:spcPts val="600"/>
-              </a:spcBef>
-            </a:pPr>
-            <a:r>
-              <a:rPr lang="da-DK" altLang="da-DK" sz="1600" spc="-40" dirty="0" smtClean="0"/>
-              <a:t>Under </a:t>
-            </a:r>
-            <a:r>
-              <a:rPr lang="da-DK" altLang="da-DK" sz="1600" spc="-40" dirty="0"/>
-              <a:t>forelæsningen </a:t>
-            </a:r>
-            <a:r>
-              <a:rPr lang="da-DK" altLang="da-DK" sz="1600" spc="-40" dirty="0" smtClean="0"/>
-              <a:t>læser jeg </a:t>
-            </a:r>
-            <a:r>
-              <a:rPr lang="da-DK" altLang="da-DK" sz="1600" b="1" spc="-40" dirty="0" smtClean="0">
-                <a:solidFill>
-                  <a:srgbClr val="008000"/>
-                </a:solidFill>
-              </a:rPr>
-              <a:t>ikke</a:t>
-            </a:r>
-            <a:r>
-              <a:rPr lang="da-DK" altLang="da-DK" sz="1600" spc="-40" dirty="0" smtClean="0"/>
-              <a:t> eventuelle </a:t>
-            </a:r>
-            <a:r>
-              <a:rPr lang="da-DK" altLang="da-DK" sz="1600" spc="-40" dirty="0"/>
-              <a:t>indlæg på </a:t>
-            </a:r>
-            <a:r>
-              <a:rPr lang="da-DK" altLang="da-DK" sz="1600" spc="-40" dirty="0" smtClean="0"/>
-              <a:t>chatten</a:t>
-            </a:r>
+            <a:endParaRPr lang="da-DK" altLang="da-DK" sz="1600" dirty="0"/>
           </a:p>
         </p:txBody>
       </p:sp>
@@ -9180,7 +6991,7 @@
         </p:nvSpPr>
         <p:spPr>
           <a:xfrm rot="21165640">
-            <a:off x="2647677" y="5051744"/>
+            <a:off x="2647676" y="5865833"/>
             <a:ext cx="3280124" cy="523220"/>
           </a:xfrm>
           <a:prstGeom prst="rect">
@@ -9246,7 +7057,7 @@
     </p:spTree>
     <p:extLst>
       <p:ext uri="{BB962C8B-B14F-4D97-AF65-F5344CB8AC3E}">
-        <p14:creationId xmlns:p14="http://schemas.microsoft.com/office/powerpoint/2010/main" val="3532133969"/>
+        <p14:creationId xmlns:p14="http://schemas.microsoft.com/office/powerpoint/2010/main" val="1331895871"/>
       </p:ext>
     </p:extLst>
   </p:cSld>
@@ -9331,7 +7142,7 @@
 </p:sld>
 </file>
 
-<file path=ppt/slides/slide8.xml><?xml version="1.0" encoding="utf-8"?>
+<file path=ppt/slides/slide5.xml><?xml version="1.0" encoding="utf-8"?>
 <p:sld xmlns:a="http://schemas.openxmlformats.org/drawingml/2006/main" xmlns:r="http://schemas.openxmlformats.org/officeDocument/2006/relationships" xmlns:p="http://schemas.openxmlformats.org/presentationml/2006/main">
   <p:cSld>
     <p:spTree>
@@ -9532,7 +7343,7 @@
             <a:pPr marL="271463" indent="-271463"/>
             <a:r>
               <a:rPr lang="da-DK" altLang="da-DK" sz="2800" dirty="0" smtClean="0"/>
-              <a:t>Øvelserne med instruktorer</a:t>
+              <a:t>Øvelserne</a:t>
             </a:r>
             <a:endParaRPr lang="da-DK" altLang="da-DK" sz="2800" dirty="0"/>
           </a:p>
@@ -9762,14 +7573,10 @@
             </a:r>
             <a:r>
               <a:rPr lang="da-DK" altLang="da-DK" sz="1600" dirty="0"/>
-              <a:t>(som er </a:t>
-            </a:r>
-            <a:r>
-              <a:rPr lang="da-DK" altLang="da-DK" sz="1600"/>
-              <a:t>de </a:t>
-            </a:r>
-            <a:r>
-              <a:rPr lang="da-DK" altLang="da-DK" sz="1600" smtClean="0"/>
+              <a:t>(som er de </a:t>
+            </a:r>
+            <a:r>
+              <a:rPr lang="da-DK" altLang="da-DK" sz="1600" dirty="0" smtClean="0"/>
               <a:t>opgaver</a:t>
             </a:r>
             <a:r>
@@ -9782,11 +7589,23 @@
             </a:r>
             <a:r>
               <a:rPr lang="da-DK" altLang="da-DK" sz="1600" dirty="0"/>
-              <a:t>skal aflevere mandag den 1. </a:t>
+              <a:t>skal aflevere mandag den </a:t>
             </a:r>
             <a:r>
               <a:rPr lang="da-DK" altLang="da-DK" sz="1600" dirty="0" smtClean="0"/>
-              <a:t>marts og mandag den 8. marts) </a:t>
+              <a:t>28. februar </a:t>
+            </a:r>
+            <a:r>
+              <a:rPr lang="da-DK" altLang="da-DK" sz="1600" dirty="0" smtClean="0"/>
+              <a:t>og mandag den </a:t>
+            </a:r>
+            <a:r>
+              <a:rPr lang="da-DK" altLang="da-DK" sz="1600" dirty="0" smtClean="0"/>
+              <a:t>7. </a:t>
+            </a:r>
+            <a:r>
+              <a:rPr lang="da-DK" altLang="da-DK" sz="1600" dirty="0" smtClean="0"/>
+              <a:t>marts) </a:t>
             </a:r>
           </a:p>
           <a:p>
@@ -9855,7 +7674,23 @@
                   <a:srgbClr val="A50021"/>
                 </a:solidFill>
               </a:rPr>
-              <a:t>Som tidligere bruger vi Breakout rum og det del</a:t>
+              <a:t>Som tidligere bruger </a:t>
+            </a:r>
+            <a:r>
+              <a:rPr lang="da-DK" altLang="da-DK" sz="1800" b="1" spc="-40" dirty="0" smtClean="0">
+                <a:solidFill>
+                  <a:srgbClr val="A50021"/>
+                </a:solidFill>
+              </a:rPr>
+              <a:t>dem, der ikke er her, </a:t>
+            </a:r>
+            <a:r>
+              <a:rPr lang="da-DK" altLang="da-DK" sz="1800" b="1" spc="-40" dirty="0" smtClean="0">
+                <a:solidFill>
+                  <a:srgbClr val="A50021"/>
+                </a:solidFill>
+              </a:rPr>
+              <a:t>Breakout rum og det del</a:t>
             </a:r>
             <a:r>
               <a:rPr lang="da-DK" altLang="da-DK" sz="1800" b="1" spc="-40" dirty="0">
@@ -9891,30 +7726,39 @@
               <a:buChar char="–"/>
             </a:pPr>
             <a:r>
+              <a:rPr lang="da-DK" altLang="da-DK" sz="1600" dirty="0" smtClean="0"/>
+              <a:t>Næste forelæsning starter kl. 13.30</a:t>
+            </a:r>
+          </a:p>
+          <a:p>
+            <a:pPr marL="742950" lvl="1" indent="-285750">
+              <a:spcBef>
+                <a:spcPts val="600"/>
+              </a:spcBef>
+              <a:buFontTx/>
+              <a:buChar char="–"/>
+            </a:pPr>
+            <a:r>
               <a:rPr lang="da-DK" altLang="da-DK" sz="1600" dirty="0"/>
-              <a:t>Vi  ”mødes” alle i ”hovedrummet” </a:t>
-            </a:r>
-            <a:r>
-              <a:rPr lang="da-DK" altLang="da-DK" sz="1600" b="1" dirty="0">
-                <a:solidFill>
-                  <a:srgbClr val="008000"/>
-                </a:solidFill>
-              </a:rPr>
-              <a:t>kl. </a:t>
-            </a:r>
-            <a:r>
-              <a:rPr lang="da-DK" altLang="da-DK" sz="1600" b="1" dirty="0" smtClean="0">
-                <a:solidFill>
-                  <a:srgbClr val="008000"/>
-                </a:solidFill>
-              </a:rPr>
-              <a:t>13.30 (en halv time senere end hidtil)</a:t>
-            </a:r>
-            <a:endParaRPr lang="da-DK" altLang="da-DK" sz="1600" b="1" dirty="0">
-              <a:solidFill>
-                <a:srgbClr val="008000"/>
-              </a:solidFill>
-            </a:endParaRPr>
+              <a:t>Husk at få </a:t>
+            </a:r>
+            <a:r>
+              <a:rPr lang="da-DK" altLang="da-DK" sz="1600" dirty="0" smtClean="0"/>
+              <a:t>frokost </a:t>
+            </a:r>
+            <a:r>
+              <a:rPr lang="da-DK" altLang="da-DK" sz="1600" dirty="0"/>
+              <a:t>og </a:t>
+            </a:r>
+            <a:r>
+              <a:rPr lang="da-DK" altLang="da-DK" sz="1600" dirty="0" smtClean="0"/>
+              <a:t>lidt frisk </a:t>
+            </a:r>
+            <a:r>
+              <a:rPr lang="da-DK" altLang="da-DK" sz="1600" dirty="0"/>
+              <a:t>luft inden da</a:t>
+            </a:r>
+            <a:endParaRPr lang="da-DK" altLang="da-DK" sz="1600" dirty="0"/>
           </a:p>
           <a:p>
             <a:pPr marL="742950" lvl="1" indent="-285750">

--- a/web/g22/status/Status4.pptx
+++ b/web/g22/status/Status4.pptx
@@ -4509,26 +4509,18 @@
             </a:pPr>
             <a:r>
               <a:rPr lang="da-DK" sz="1600" dirty="0" smtClean="0"/>
-              <a:t>9.15 </a:t>
-            </a:r>
+              <a:t>9.15 Velkomst og diverse indledende info</a:t>
+            </a:r>
+          </a:p>
+          <a:p>
+            <a:pPr marL="742950" lvl="1" indent="-285750">
+              <a:spcBef>
+                <a:spcPts val="600"/>
+              </a:spcBef>
+            </a:pPr>
             <a:r>
               <a:rPr lang="da-DK" sz="1600" dirty="0" smtClean="0"/>
-              <a:t>Velkomst og diverse indledende info</a:t>
-            </a:r>
-          </a:p>
-          <a:p>
-            <a:pPr marL="742950" lvl="1" indent="-285750">
-              <a:spcBef>
-                <a:spcPts val="600"/>
-              </a:spcBef>
-            </a:pPr>
-            <a:r>
-              <a:rPr lang="da-DK" sz="1600" dirty="0" smtClean="0"/>
-              <a:t>9.30 </a:t>
-            </a:r>
-            <a:r>
-              <a:rPr lang="da-DK" sz="1600" dirty="0" smtClean="0"/>
-              <a:t>Forelæsning (med en kort pause midtvejs)</a:t>
+              <a:t>9.30 Forelæsning (med en kort pause midtvejs)</a:t>
             </a:r>
           </a:p>
           <a:p>
@@ -5431,21 +5423,8 @@
                   <a:srgbClr val="A50021"/>
                 </a:solidFill>
               </a:rPr>
-              <a:t>I Quiz 3 var jeres gennemsnitlige vurdering af pensummets sværhedsgrad </a:t>
-            </a:r>
-            <a:r>
-              <a:rPr lang="da-DK" altLang="da-DK" sz="1800" b="1" spc="-80" dirty="0" smtClean="0">
-                <a:solidFill>
-                  <a:srgbClr val="A50021"/>
-                </a:solidFill>
-              </a:rPr>
-              <a:t>3,92</a:t>
-            </a:r>
-            <a:endParaRPr lang="da-DK" altLang="da-DK" sz="1800" b="1" spc="-80" dirty="0" smtClean="0">
-              <a:solidFill>
-                <a:srgbClr val="A50021"/>
-              </a:solidFill>
-            </a:endParaRPr>
+              <a:t>I Quiz 3 var jeres gennemsnitlige vurdering af pensummets sværhedsgrad 3,92</a:t>
+            </a:r>
           </a:p>
           <a:p>
             <a:pPr marL="742950" lvl="1" indent="-285750">
@@ -5455,35 +5434,22 @@
             </a:pPr>
             <a:r>
               <a:rPr lang="da-DK" altLang="da-DK" sz="1600" dirty="0"/>
-              <a:t>D</a:t>
-            </a:r>
+              <a:t>Til sammenligning havde de studerende sidste forår et gennemsnit på 3,94</a:t>
+            </a:r>
+          </a:p>
+          <a:p>
+            <a:pPr marL="742950" lvl="1" indent="-285750">
+              <a:spcBef>
+                <a:spcPts val="600"/>
+              </a:spcBef>
+            </a:pPr>
             <a:r>
               <a:rPr lang="da-DK" altLang="da-DK" sz="1600" dirty="0" smtClean="0"/>
-              <a:t>et er normalt, at man opfatter sværhedsgraden som stigende gennem de første uger, hvorefter den plejer at falde lidt igen</a:t>
-            </a:r>
-            <a:endParaRPr lang="da-DK" altLang="da-DK" sz="1600" dirty="0"/>
-          </a:p>
-          <a:p>
-            <a:pPr marL="742950" lvl="1" indent="-285750">
-              <a:spcBef>
-                <a:spcPts val="600"/>
-              </a:spcBef>
-            </a:pPr>
+              <a:t>Det </a:t>
+            </a:r>
             <a:r>
               <a:rPr lang="da-DK" altLang="da-DK" sz="1600" dirty="0" smtClean="0"/>
-              <a:t>Til sammenligning havde de studerende </a:t>
-            </a:r>
-            <a:r>
-              <a:rPr lang="da-DK" altLang="da-DK" sz="1600" dirty="0" smtClean="0"/>
-              <a:t>sidste forår </a:t>
-            </a:r>
-            <a:r>
-              <a:rPr lang="da-DK" altLang="da-DK" sz="1600" dirty="0" smtClean="0"/>
-              <a:t>et gennemsnit på </a:t>
-            </a:r>
-            <a:r>
-              <a:rPr lang="da-DK" altLang="da-DK" sz="1600" dirty="0" smtClean="0"/>
-              <a:t>3,94</a:t>
+              <a:t>er normalt, at man opfatter sværhedsgraden som stigende gennem de første uger, hvorefter den plejer at falde lidt igen</a:t>
             </a:r>
             <a:endParaRPr lang="da-DK" altLang="da-DK" sz="1600" dirty="0"/>
           </a:p>
@@ -5501,7 +5467,7 @@
                   <a:srgbClr val="A50021"/>
                 </a:solidFill>
               </a:rPr>
-              <a:t>I har klaret Raflebæger 3 og Skildpadde 2 </a:t>
+              <a:t>I </a:t>
             </a:r>
             <a:r>
               <a:rPr lang="da-DK" altLang="da-DK" sz="1800" b="1" spc="-40" dirty="0" smtClean="0">
@@ -5509,15 +5475,7 @@
                   <a:srgbClr val="A50021"/>
                 </a:solidFill>
               </a:rPr>
-              <a:t>virkelig </a:t>
-            </a:r>
-            <a:r>
-              <a:rPr lang="da-DK" altLang="da-DK" sz="1800" b="1" spc="-40" dirty="0" smtClean="0">
-                <a:solidFill>
-                  <a:srgbClr val="A50021"/>
-                </a:solidFill>
-              </a:rPr>
-              <a:t>flot</a:t>
+              <a:t>har klaret Raflebæger 3 og Skildpadde 2 virkelig flot</a:t>
             </a:r>
           </a:p>
           <a:p>
@@ -5530,9 +5488,16 @@
             </a:pPr>
             <a:r>
               <a:rPr lang="da-DK" altLang="da-DK" sz="1600" dirty="0" smtClean="0"/>
-              <a:t>Ingen genafleveringer og kun få bemærkninger fra instruktorerne</a:t>
-            </a:r>
-            <a:endParaRPr lang="da-DK" altLang="da-DK" sz="1600" dirty="0" smtClean="0"/>
+              <a:t>Kun to genafleveringer og kun få </a:t>
+            </a:r>
+            <a:r>
+              <a:rPr lang="da-DK" altLang="da-DK" sz="1600" smtClean="0"/>
+              <a:t>negative kommenterer </a:t>
+            </a:r>
+            <a:r>
+              <a:rPr lang="da-DK" altLang="da-DK" sz="1600" dirty="0" smtClean="0"/>
+              <a:t>fra instruktorerne</a:t>
+            </a:r>
           </a:p>
           <a:p>
             <a:pPr marL="271463" lvl="1" indent="-271463">
@@ -5590,21 +5555,8 @@
             </a:pPr>
             <a:r>
               <a:rPr lang="da-DK" altLang="da-DK" sz="1600" dirty="0" smtClean="0"/>
-              <a:t>I brugte </a:t>
-            </a:r>
-            <a:r>
-              <a:rPr lang="da-DK" altLang="da-DK" sz="1600" dirty="0" smtClean="0"/>
-              <a:t>1,60 </a:t>
-            </a:r>
-            <a:r>
-              <a:rPr lang="da-DK" altLang="da-DK" sz="1600" dirty="0" smtClean="0"/>
-              <a:t>forsøg pr spørgsmål (mod </a:t>
-            </a:r>
-            <a:r>
-              <a:rPr lang="da-DK" altLang="da-DK" sz="1600" dirty="0" smtClean="0"/>
-              <a:t>1,32 sidste forår)</a:t>
-            </a:r>
-            <a:endParaRPr lang="da-DK" altLang="da-DK" sz="1600" dirty="0" smtClean="0"/>
+              <a:t>I brugte 1,60 forsøg pr spørgsmål (mod 1,32 sidste forår)</a:t>
+            </a:r>
           </a:p>
           <a:p>
             <a:pPr marL="742950" lvl="1" indent="-285750">
@@ -5650,11 +5602,7 @@
             </a:pPr>
             <a:r>
               <a:rPr lang="da-DK" altLang="da-DK" sz="1600" dirty="0" smtClean="0"/>
-              <a:t>Se </a:t>
-            </a:r>
-            <a:r>
-              <a:rPr lang="da-DK" altLang="da-DK" sz="1600" dirty="0" smtClean="0"/>
-              <a:t>den </a:t>
+              <a:t>Se den </a:t>
             </a:r>
             <a:r>
               <a:rPr lang="da-DK" altLang="da-DK" sz="1600" dirty="0" err="1" smtClean="0"/>
@@ -5662,21 +5610,8 @@
             </a:r>
             <a:r>
               <a:rPr lang="da-DK" altLang="da-DK" sz="1600" dirty="0" smtClean="0"/>
-              <a:t>, som jeg har lavet </a:t>
-            </a:r>
-            <a:r>
-              <a:rPr lang="da-DK" altLang="da-DK" sz="1600" dirty="0" smtClean="0"/>
-              <a:t>på </a:t>
-            </a:r>
-            <a:r>
-              <a:rPr lang="da-DK" altLang="da-DK" sz="1600" dirty="0" smtClean="0"/>
-              <a:t>Seminar 3 </a:t>
-            </a:r>
-            <a:r>
-              <a:rPr lang="da-DK" altLang="da-DK" sz="1600" dirty="0" smtClean="0"/>
-              <a:t>forummet</a:t>
-            </a:r>
-            <a:endParaRPr lang="da-DK" altLang="da-DK" sz="1600" dirty="0" smtClean="0"/>
+              <a:t>, som jeg har lavet på Seminar 3 forummet</a:t>
+            </a:r>
           </a:p>
           <a:p>
             <a:pPr marL="285750" indent="-285750">
@@ -5730,7 +5665,6 @@
               <a:rPr lang="da-DK" sz="1600" spc="-20" dirty="0" smtClean="0"/>
               <a:t>Brightspace</a:t>
             </a:r>
-            <a:endParaRPr lang="da-DK" sz="1600" spc="-20" dirty="0" smtClean="0"/>
           </a:p>
           <a:p>
             <a:pPr marL="742950" lvl="1" indent="-285750">
@@ -5740,17 +5674,8 @@
             </a:pPr>
             <a:r>
               <a:rPr lang="da-DK" sz="1600" dirty="0" smtClean="0"/>
-              <a:t>Brightspace </a:t>
-            </a:r>
-            <a:r>
-              <a:rPr lang="da-DK" sz="1600" dirty="0" smtClean="0"/>
-              <a:t>siden ”Test af opgaver” forklarer, hvordan man tester </a:t>
-            </a:r>
-            <a:r>
-              <a:rPr lang="da-DK" sz="1600" dirty="0" smtClean="0"/>
-              <a:t>køreprøvesæt</a:t>
-            </a:r>
-            <a:endParaRPr lang="da-DK" sz="1600" dirty="0" smtClean="0"/>
+              <a:t>Brightspace siden ”Test af opgaver” forklarer, hvordan man tester køreprøvesæt</a:t>
+            </a:r>
           </a:p>
         </p:txBody>
       </p:sp>
@@ -6254,15 +6179,7 @@
             </a:pPr>
             <a:r>
               <a:rPr lang="da-DK" sz="1600" dirty="0" smtClean="0"/>
-              <a:t>Det er vigtigt, at I får mest mulig træning i at programmere, så I er klar til de </a:t>
-            </a:r>
-            <a:r>
-              <a:rPr lang="da-DK" sz="1600" dirty="0" smtClean="0"/>
-              <a:t>lidt </a:t>
-            </a:r>
-            <a:r>
-              <a:rPr lang="da-DK" sz="1600" dirty="0" smtClean="0"/>
-              <a:t>større opgaver i kursets anden halvdel</a:t>
+              <a:t>Det er vigtigt, at I får mest mulig træning i at programmere, så I er klar til de lidt større opgaver i kursets anden halvdel</a:t>
             </a:r>
             <a:endParaRPr lang="da-DK" sz="1600" dirty="0"/>
           </a:p>
@@ -7593,19 +7510,7 @@
             </a:r>
             <a:r>
               <a:rPr lang="da-DK" altLang="da-DK" sz="1600" dirty="0" smtClean="0"/>
-              <a:t>28. februar </a:t>
-            </a:r>
-            <a:r>
-              <a:rPr lang="da-DK" altLang="da-DK" sz="1600" dirty="0" smtClean="0"/>
-              <a:t>og mandag den </a:t>
-            </a:r>
-            <a:r>
-              <a:rPr lang="da-DK" altLang="da-DK" sz="1600" dirty="0" smtClean="0"/>
-              <a:t>7. </a:t>
-            </a:r>
-            <a:r>
-              <a:rPr lang="da-DK" altLang="da-DK" sz="1600" dirty="0" smtClean="0"/>
-              <a:t>marts) </a:t>
+              <a:t>28. februar og mandag den 7. marts) </a:t>
             </a:r>
           </a:p>
           <a:p>
@@ -7674,23 +7579,7 @@
                   <a:srgbClr val="A50021"/>
                 </a:solidFill>
               </a:rPr>
-              <a:t>Som tidligere bruger </a:t>
-            </a:r>
-            <a:r>
-              <a:rPr lang="da-DK" altLang="da-DK" sz="1800" b="1" spc="-40" dirty="0" smtClean="0">
-                <a:solidFill>
-                  <a:srgbClr val="A50021"/>
-                </a:solidFill>
-              </a:rPr>
-              <a:t>dem, der ikke er her, </a:t>
-            </a:r>
-            <a:r>
-              <a:rPr lang="da-DK" altLang="da-DK" sz="1800" b="1" spc="-40" dirty="0" smtClean="0">
-                <a:solidFill>
-                  <a:srgbClr val="A50021"/>
-                </a:solidFill>
-              </a:rPr>
-              <a:t>Breakout rum og det del</a:t>
+              <a:t>Som tidligere bruger dem, der ikke er her, Breakout rum og det del</a:t>
             </a:r>
             <a:r>
               <a:rPr lang="da-DK" altLang="da-DK" sz="1800" b="1" spc="-40" dirty="0">
@@ -7758,7 +7647,6 @@
               <a:rPr lang="da-DK" altLang="da-DK" sz="1600" dirty="0"/>
               <a:t>luft inden da</a:t>
             </a:r>
-            <a:endParaRPr lang="da-DK" altLang="da-DK" sz="1600" dirty="0"/>
           </a:p>
           <a:p>
             <a:pPr marL="742950" lvl="1" indent="-285750">

--- a/web/g22/status/Status4.pptx
+++ b/web/g22/status/Status4.pptx
@@ -4589,7 +4589,11 @@
             </a:r>
             <a:r>
               <a:rPr lang="da-DK" sz="1600" dirty="0" smtClean="0"/>
-              <a:t> 2)</a:t>
+              <a:t>-2</a:t>
+            </a:r>
+            <a:r>
+              <a:rPr lang="da-DK" sz="1600" dirty="0" smtClean="0"/>
+              <a:t>)</a:t>
             </a:r>
           </a:p>
           <a:p>
@@ -5445,11 +5449,15 @@
             </a:pPr>
             <a:r>
               <a:rPr lang="da-DK" altLang="da-DK" sz="1600" dirty="0" smtClean="0"/>
-              <a:t>Det </a:t>
+              <a:t>Det er </a:t>
             </a:r>
             <a:r>
               <a:rPr lang="da-DK" altLang="da-DK" sz="1600" dirty="0" smtClean="0"/>
-              <a:t>er normalt, at man opfatter sværhedsgraden som stigende gennem de første uger, hvorefter den plejer at falde lidt igen</a:t>
+              <a:t>helt normalt</a:t>
+            </a:r>
+            <a:r>
+              <a:rPr lang="da-DK" altLang="da-DK" sz="1600" dirty="0" smtClean="0"/>
+              <a:t>, at man opfatter sværhedsgraden som stigende gennem de første uger, hvorefter den plejer at falde lidt igen</a:t>
             </a:r>
             <a:endParaRPr lang="da-DK" altLang="da-DK" sz="1600" dirty="0"/>
           </a:p>
@@ -5467,15 +5475,7 @@
                   <a:srgbClr val="A50021"/>
                 </a:solidFill>
               </a:rPr>
-              <a:t>I </a:t>
-            </a:r>
-            <a:r>
-              <a:rPr lang="da-DK" altLang="da-DK" sz="1800" b="1" spc="-40" dirty="0" smtClean="0">
-                <a:solidFill>
-                  <a:srgbClr val="A50021"/>
-                </a:solidFill>
-              </a:rPr>
-              <a:t>har klaret Raflebæger 3 og Skildpadde 2 virkelig flot</a:t>
+              <a:t>I har klaret Raflebæger 3 og Skildpadde 2 virkelig flot</a:t>
             </a:r>
           </a:p>
           <a:p>
@@ -5488,15 +5488,7 @@
             </a:pPr>
             <a:r>
               <a:rPr lang="da-DK" altLang="da-DK" sz="1600" dirty="0" smtClean="0"/>
-              <a:t>Kun to genafleveringer og kun få </a:t>
-            </a:r>
-            <a:r>
-              <a:rPr lang="da-DK" altLang="da-DK" sz="1600" smtClean="0"/>
-              <a:t>negative kommenterer </a:t>
-            </a:r>
-            <a:r>
-              <a:rPr lang="da-DK" altLang="da-DK" sz="1600" dirty="0" smtClean="0"/>
-              <a:t>fra instruktorerne</a:t>
+              <a:t>Kun to genafleveringer og kun få negative kommenterer fra instruktorerne</a:t>
             </a:r>
           </a:p>
           <a:p>
@@ -5629,7 +5621,11 @@
             </a:r>
             <a:r>
               <a:rPr lang="da-DK" sz="1800" dirty="0" smtClean="0"/>
-              <a:t>køreprøvesættene på </a:t>
+              <a:t>køreprøvesæt </a:t>
+            </a:r>
+            <a:r>
+              <a:rPr lang="da-DK" sz="1800" dirty="0" smtClean="0"/>
+              <a:t>på </a:t>
             </a:r>
             <a:r>
               <a:rPr lang="da-DK" sz="1800" dirty="0"/>
@@ -5920,8 +5916,8 @@
         </p:nvSpPr>
         <p:spPr bwMode="auto">
           <a:xfrm>
-            <a:off x="480723" y="1041668"/>
-            <a:ext cx="8411758" cy="4403556"/>
+            <a:off x="480722" y="1041668"/>
+            <a:ext cx="8555773" cy="5816332"/>
           </a:xfrm>
           <a:prstGeom prst="rect">
             <a:avLst/>
@@ -6179,7 +6175,22 @@
             </a:pPr>
             <a:r>
               <a:rPr lang="da-DK" sz="1600" dirty="0" smtClean="0"/>
-              <a:t>Det er vigtigt, at I får mest mulig træning i at programmere, så I er klar til de lidt større opgaver i kursets anden halvdel</a:t>
+              <a:t>Det er vigtigt, at I får mest mulig træning i at programmere, så I er klar til de lidt større opgaver i kursets anden </a:t>
+            </a:r>
+            <a:r>
+              <a:rPr lang="da-DK" sz="1600" dirty="0" smtClean="0"/>
+              <a:t>halvdel</a:t>
+            </a:r>
+          </a:p>
+          <a:p>
+            <a:pPr marL="728663" lvl="1" indent="-271463">
+              <a:spcBef>
+                <a:spcPts val="600"/>
+              </a:spcBef>
+            </a:pPr>
+            <a:r>
+              <a:rPr lang="da-DK" sz="1600" dirty="0" smtClean="0"/>
+              <a:t>Det er også vigtig at I begge bliver fortrolige med at bruge testserveren</a:t>
             </a:r>
             <a:endParaRPr lang="da-DK" sz="1600" dirty="0"/>
           </a:p>
@@ -6286,13 +6297,66 @@
                   <a:srgbClr val="A50021"/>
                 </a:solidFill>
               </a:rPr>
-              <a:t>metoder på webboardet</a:t>
-            </a:r>
-            <a:endParaRPr lang="da-DK" sz="1800" b="1" dirty="0">
-              <a:solidFill>
-                <a:srgbClr val="A50021"/>
-              </a:solidFill>
-            </a:endParaRPr>
+              <a:t>metoder og lignende på diskussionsforummet</a:t>
+            </a:r>
+          </a:p>
+          <a:p>
+            <a:pPr marL="728663" lvl="1" indent="-271463">
+              <a:spcBef>
+                <a:spcPts val="600"/>
+              </a:spcBef>
+            </a:pPr>
+            <a:r>
+              <a:rPr lang="da-DK" sz="1600" dirty="0" smtClean="0"/>
+              <a:t>Vi har </a:t>
+            </a:r>
+            <a:r>
+              <a:rPr lang="da-DK" sz="1600" dirty="0"/>
+              <a:t>nu </a:t>
+            </a:r>
+            <a:r>
+              <a:rPr lang="da-DK" sz="1600" dirty="0" smtClean="0"/>
+              <a:t>2-3 </a:t>
+            </a:r>
+            <a:r>
+              <a:rPr lang="da-DK" sz="1600" dirty="0"/>
+              <a:t>gange fjernet </a:t>
+            </a:r>
+            <a:r>
+              <a:rPr lang="da-DK" sz="1600" dirty="0" smtClean="0"/>
+              <a:t>sådanne</a:t>
+            </a:r>
+          </a:p>
+          <a:p>
+            <a:pPr marL="728663" lvl="1" indent="-271463">
+              <a:spcBef>
+                <a:spcPts val="600"/>
+              </a:spcBef>
+            </a:pPr>
+            <a:r>
+              <a:rPr lang="da-DK" sz="1600" dirty="0" smtClean="0"/>
+              <a:t>Husk </a:t>
+            </a:r>
+            <a:r>
+              <a:rPr lang="da-DK" sz="1600" dirty="0"/>
+              <a:t>det nu </a:t>
+            </a:r>
+            <a:r>
+              <a:rPr lang="da-DK" sz="1600" dirty="0" smtClean="0"/>
+              <a:t>fremover</a:t>
+            </a:r>
+          </a:p>
+          <a:p>
+            <a:pPr marL="728663" lvl="1" indent="-271463">
+              <a:spcBef>
+                <a:spcPts val="600"/>
+              </a:spcBef>
+            </a:pPr>
+            <a:r>
+              <a:rPr lang="da-DK" sz="1600" dirty="0" smtClean="0"/>
+              <a:t>Ovenstående gælder de obligatoriske opgaver (andre ting må godt komme på diskussionsforummet)</a:t>
+            </a:r>
+            <a:endParaRPr lang="da-DK" sz="1600" dirty="0"/>
           </a:p>
           <a:p>
             <a:pPr marL="742950" lvl="1" indent="-285750">

--- a/web/g22/status/Status4.pptx
+++ b/web/g22/status/Status4.pptx
@@ -4589,11 +4589,7 @@
             </a:r>
             <a:r>
               <a:rPr lang="da-DK" sz="1600" dirty="0" smtClean="0"/>
-              <a:t>-2</a:t>
-            </a:r>
-            <a:r>
-              <a:rPr lang="da-DK" sz="1600" dirty="0" smtClean="0"/>
-              <a:t>)</a:t>
+              <a:t>-2)</a:t>
             </a:r>
           </a:p>
           <a:p>
@@ -5449,15 +5445,7 @@
             </a:pPr>
             <a:r>
               <a:rPr lang="da-DK" altLang="da-DK" sz="1600" dirty="0" smtClean="0"/>
-              <a:t>Det er </a:t>
-            </a:r>
-            <a:r>
-              <a:rPr lang="da-DK" altLang="da-DK" sz="1600" dirty="0" smtClean="0"/>
-              <a:t>helt normalt</a:t>
-            </a:r>
-            <a:r>
-              <a:rPr lang="da-DK" altLang="da-DK" sz="1600" dirty="0" smtClean="0"/>
-              <a:t>, at man opfatter sværhedsgraden som stigende gennem de første uger, hvorefter den plejer at falde lidt igen</a:t>
+              <a:t>Det er helt normalt, at man opfatter sværhedsgraden som stigende gennem de første uger, hvorefter den plejer at falde lidt igen</a:t>
             </a:r>
             <a:endParaRPr lang="da-DK" altLang="da-DK" sz="1600" dirty="0"/>
           </a:p>
@@ -5488,8 +5476,13 @@
             </a:pPr>
             <a:r>
               <a:rPr lang="da-DK" altLang="da-DK" sz="1600" dirty="0" smtClean="0"/>
-              <a:t>Kun to genafleveringer og kun få negative kommenterer fra instruktorerne</a:t>
-            </a:r>
+              <a:t>Kun </a:t>
+            </a:r>
+            <a:r>
+              <a:rPr lang="da-DK" altLang="da-DK" sz="1600" dirty="0" smtClean="0"/>
+              <a:t>en enkelt genaflevering (samt en gruppe der ikke har afleveret)</a:t>
+            </a:r>
+            <a:endParaRPr lang="da-DK" altLang="da-DK" sz="1600" dirty="0" smtClean="0"/>
           </a:p>
           <a:p>
             <a:pPr marL="271463" lvl="1" indent="-271463">
@@ -5621,11 +5614,7 @@
             </a:r>
             <a:r>
               <a:rPr lang="da-DK" sz="1800" dirty="0" smtClean="0"/>
-              <a:t>køreprøvesæt </a:t>
-            </a:r>
-            <a:r>
-              <a:rPr lang="da-DK" sz="1800" dirty="0" smtClean="0"/>
-              <a:t>på </a:t>
+              <a:t>køreprøvesæt på </a:t>
             </a:r>
             <a:r>
               <a:rPr lang="da-DK" sz="1800" dirty="0"/>
@@ -6175,11 +6164,7 @@
             </a:pPr>
             <a:r>
               <a:rPr lang="da-DK" sz="1600" dirty="0" smtClean="0"/>
-              <a:t>Det er vigtigt, at I får mest mulig træning i at programmere, så I er klar til de lidt større opgaver i kursets anden </a:t>
-            </a:r>
-            <a:r>
-              <a:rPr lang="da-DK" sz="1600" dirty="0" smtClean="0"/>
-              <a:t>halvdel</a:t>
+              <a:t>Det er vigtigt, at I får mest mulig træning i at programmere, så I er klar til de lidt større opgaver i kursets anden halvdel</a:t>
             </a:r>
           </a:p>
           <a:p>
